--- a/WordPress-Presentation.pptx
+++ b/WordPress-Presentation.pptx
@@ -5,10 +5,10 @@
     <p:sldMasterId id="2147483660" r:id="rId1"/>
   </p:sldMasterIdLst>
   <p:notesMasterIdLst>
-    <p:notesMasterId r:id="rId26"/>
+    <p:notesMasterId r:id="rId30"/>
   </p:notesMasterIdLst>
   <p:handoutMasterIdLst>
-    <p:handoutMasterId r:id="rId27"/>
+    <p:handoutMasterId r:id="rId31"/>
   </p:handoutMasterIdLst>
   <p:sldIdLst>
     <p:sldId id="264" r:id="rId2"/>
@@ -19,22 +19,26 @@
     <p:sldId id="289" r:id="rId7"/>
     <p:sldId id="288" r:id="rId8"/>
     <p:sldId id="287" r:id="rId9"/>
-    <p:sldId id="276" r:id="rId10"/>
-    <p:sldId id="298" r:id="rId11"/>
-    <p:sldId id="286" r:id="rId12"/>
-    <p:sldId id="295" r:id="rId13"/>
-    <p:sldId id="301" r:id="rId14"/>
-    <p:sldId id="303" r:id="rId15"/>
-    <p:sldId id="305" r:id="rId16"/>
-    <p:sldId id="277" r:id="rId17"/>
-    <p:sldId id="278" r:id="rId18"/>
-    <p:sldId id="280" r:id="rId19"/>
-    <p:sldId id="281" r:id="rId20"/>
-    <p:sldId id="275" r:id="rId21"/>
-    <p:sldId id="282" r:id="rId22"/>
-    <p:sldId id="307" r:id="rId23"/>
-    <p:sldId id="308" r:id="rId24"/>
-    <p:sldId id="267" r:id="rId25"/>
+    <p:sldId id="311" r:id="rId10"/>
+    <p:sldId id="312" r:id="rId11"/>
+    <p:sldId id="276" r:id="rId12"/>
+    <p:sldId id="298" r:id="rId13"/>
+    <p:sldId id="286" r:id="rId14"/>
+    <p:sldId id="295" r:id="rId15"/>
+    <p:sldId id="301" r:id="rId16"/>
+    <p:sldId id="303" r:id="rId17"/>
+    <p:sldId id="305" r:id="rId18"/>
+    <p:sldId id="277" r:id="rId19"/>
+    <p:sldId id="278" r:id="rId20"/>
+    <p:sldId id="280" r:id="rId21"/>
+    <p:sldId id="281" r:id="rId22"/>
+    <p:sldId id="275" r:id="rId23"/>
+    <p:sldId id="282" r:id="rId24"/>
+    <p:sldId id="307" r:id="rId25"/>
+    <p:sldId id="308" r:id="rId26"/>
+    <p:sldId id="309" r:id="rId27"/>
+    <p:sldId id="310" r:id="rId28"/>
+    <p:sldId id="267" r:id="rId29"/>
   </p:sldIdLst>
   <p:sldSz cx="9144000" cy="6858000" type="screen4x3"/>
   <p:notesSz cx="6858000" cy="9144000"/>
@@ -234,7 +238,7 @@
           <a:p>
             <a:fld id="{670EF476-D452-C443-91B3-20B00BC865CA}" type="datetimeFigureOut">
               <a:rPr lang="en-US" smtClean="0"/>
-              <a:t>1/26/19</a:t>
+              <a:t>1/28/19</a:t>
             </a:fld>
             <a:endParaRPr lang="en-US"/>
           </a:p>
@@ -399,7 +403,7 @@
           <a:p>
             <a:fld id="{A66B2525-57F1-4544-95AF-4BB9E2BD9588}" type="datetimeFigureOut">
               <a:rPr lang="en-US" smtClean="0"/>
-              <a:t>1/26/19</a:t>
+              <a:t>1/28/19</a:t>
             </a:fld>
             <a:endParaRPr lang="en-US"/>
           </a:p>
@@ -948,7 +952,7 @@
             <a:fld id="{AE36907E-9108-C14A-9B01-26E219A2BEB7}" type="datetimeFigureOut">
               <a:rPr lang="en-US" smtClean="0"/>
               <a:pPr/>
-              <a:t>1/26/19</a:t>
+              <a:t>1/28/19</a:t>
             </a:fld>
             <a:endParaRPr lang="en-US" dirty="0"/>
           </a:p>
@@ -1152,7 +1156,7 @@
           <a:p>
             <a:fld id="{AE36907E-9108-C14A-9B01-26E219A2BEB7}" type="datetimeFigureOut">
               <a:rPr lang="en-US" smtClean="0"/>
-              <a:t>1/26/19</a:t>
+              <a:t>1/28/19</a:t>
             </a:fld>
             <a:endParaRPr lang="en-US"/>
           </a:p>
@@ -1332,7 +1336,7 @@
           <a:p>
             <a:fld id="{AE36907E-9108-C14A-9B01-26E219A2BEB7}" type="datetimeFigureOut">
               <a:rPr lang="en-US" smtClean="0"/>
-              <a:t>1/26/19</a:t>
+              <a:t>1/28/19</a:t>
             </a:fld>
             <a:endParaRPr lang="en-US"/>
           </a:p>
@@ -1660,7 +1664,7 @@
             <a:fld id="{AE36907E-9108-C14A-9B01-26E219A2BEB7}" type="datetimeFigureOut">
               <a:rPr lang="en-US" smtClean="0"/>
               <a:pPr/>
-              <a:t>1/26/19</a:t>
+              <a:t>1/28/19</a:t>
             </a:fld>
             <a:endParaRPr lang="en-US" dirty="0"/>
           </a:p>
@@ -1944,7 +1948,7 @@
           <a:p>
             <a:fld id="{AE36907E-9108-C14A-9B01-26E219A2BEB7}" type="datetimeFigureOut">
               <a:rPr lang="en-US" smtClean="0"/>
-              <a:t>1/26/19</a:t>
+              <a:t>1/28/19</a:t>
             </a:fld>
             <a:endParaRPr lang="en-US"/>
           </a:p>
@@ -2447,7 +2451,7 @@
           <a:p>
             <a:fld id="{AE36907E-9108-C14A-9B01-26E219A2BEB7}" type="datetimeFigureOut">
               <a:rPr lang="en-US" smtClean="0"/>
-              <a:t>1/26/19</a:t>
+              <a:t>1/28/19</a:t>
             </a:fld>
             <a:endParaRPr lang="en-US"/>
           </a:p>
@@ -2814,7 +2818,7 @@
           <a:p>
             <a:fld id="{AE36907E-9108-C14A-9B01-26E219A2BEB7}" type="datetimeFigureOut">
               <a:rPr lang="en-US" smtClean="0"/>
-              <a:t>1/26/19</a:t>
+              <a:t>1/28/19</a:t>
             </a:fld>
             <a:endParaRPr lang="en-US"/>
           </a:p>
@@ -2932,7 +2936,7 @@
           <a:p>
             <a:fld id="{AE36907E-9108-C14A-9B01-26E219A2BEB7}" type="datetimeFigureOut">
               <a:rPr lang="en-US" smtClean="0"/>
-              <a:t>1/26/19</a:t>
+              <a:t>1/28/19</a:t>
             </a:fld>
             <a:endParaRPr lang="en-US"/>
           </a:p>
@@ -3027,7 +3031,7 @@
           <a:p>
             <a:fld id="{AE36907E-9108-C14A-9B01-26E219A2BEB7}" type="datetimeFigureOut">
               <a:rPr lang="en-US" smtClean="0"/>
-              <a:t>1/26/19</a:t>
+              <a:t>1/28/19</a:t>
             </a:fld>
             <a:endParaRPr lang="en-US"/>
           </a:p>
@@ -3304,7 +3308,7 @@
           <a:p>
             <a:fld id="{AE36907E-9108-C14A-9B01-26E219A2BEB7}" type="datetimeFigureOut">
               <a:rPr lang="en-US" smtClean="0"/>
-              <a:t>1/26/19</a:t>
+              <a:t>1/28/19</a:t>
             </a:fld>
             <a:endParaRPr lang="en-US"/>
           </a:p>
@@ -3557,7 +3561,7 @@
           <a:p>
             <a:fld id="{AE36907E-9108-C14A-9B01-26E219A2BEB7}" type="datetimeFigureOut">
               <a:rPr lang="en-US" smtClean="0"/>
-              <a:t>1/26/19</a:t>
+              <a:t>1/28/19</a:t>
             </a:fld>
             <a:endParaRPr lang="en-US"/>
           </a:p>
@@ -3770,7 +3774,7 @@
           <a:p>
             <a:fld id="{AE36907E-9108-C14A-9B01-26E219A2BEB7}" type="datetimeFigureOut">
               <a:rPr lang="en-US" smtClean="0"/>
-              <a:t>1/26/19</a:t>
+              <a:t>1/28/19</a:t>
             </a:fld>
             <a:endParaRPr lang="en-US"/>
           </a:p>
@@ -4470,7 +4474,7 @@
                 <a:ea typeface="Arial" charset="0"/>
                 <a:cs typeface="Arial" charset="0"/>
               </a:rPr>
-              <a:t>Overview</a:t>
+              <a:t>Process</a:t>
             </a:r>
             <a:endParaRPr lang="en-US" sz="4000" dirty="0">
               <a:solidFill>
@@ -4516,7 +4520,39 @@
                 <a:ea typeface="Arial" charset="0"/>
                 <a:cs typeface="Arial" charset="0"/>
               </a:rPr>
-              <a:t>Automating deployment frees my time and expedites pushing fixes and features.</a:t>
+              <a:t>Before committing a PHP change to Github I </a:t>
+            </a:r>
+            <a:r>
+              <a:rPr lang="en-US" sz="2800" u="sng" dirty="0" err="1" smtClean="0">
+                <a:latin typeface="Consolas" charset="0"/>
+                <a:ea typeface="Consolas" charset="0"/>
+                <a:cs typeface="Consolas" charset="0"/>
+              </a:rPr>
+              <a:t>npm</a:t>
+            </a:r>
+            <a:r>
+              <a:rPr lang="en-US" sz="2800" u="sng" dirty="0" smtClean="0">
+                <a:latin typeface="Consolas" charset="0"/>
+                <a:ea typeface="Consolas" charset="0"/>
+                <a:cs typeface="Consolas" charset="0"/>
+              </a:rPr>
+              <a:t> run </a:t>
+            </a:r>
+            <a:r>
+              <a:rPr lang="en-US" sz="2800" u="sng" dirty="0" err="1" smtClean="0">
+                <a:latin typeface="Consolas" charset="0"/>
+                <a:ea typeface="Consolas" charset="0"/>
+                <a:cs typeface="Consolas" charset="0"/>
+              </a:rPr>
+              <a:t>checkwp</a:t>
+            </a:r>
+            <a:r>
+              <a:rPr lang="en-US" sz="2800" dirty="0" smtClean="0">
+                <a:latin typeface="Arial" charset="0"/>
+                <a:ea typeface="Arial" charset="0"/>
+                <a:cs typeface="Arial" charset="0"/>
+              </a:rPr>
+              <a:t> to make sure it adheres to WordPress coding standards.</a:t>
             </a:r>
           </a:p>
           <a:p>
@@ -4527,30 +4563,50 @@
             </a:pPr>
             <a:r>
               <a:rPr lang="en-US" sz="2800" dirty="0" smtClean="0">
-                <a:solidFill>
-                  <a:srgbClr val="5B5B5B"/>
-                </a:solidFill>
-                <a:latin typeface="Arial" charset="0"/>
-                <a:ea typeface="Arial" charset="0"/>
-                <a:cs typeface="Arial" charset="0"/>
-              </a:rPr>
-              <a:t>It typically takes 2.5 - 7 minutes to deploy, depending on how many servers we’re deploying to</a:t>
-            </a:r>
-            <a:endParaRPr lang="en-US" sz="2800" dirty="0">
-              <a:solidFill>
-                <a:srgbClr val="5B5B5B"/>
-              </a:solidFill>
-              <a:latin typeface="Arial" charset="0"/>
-              <a:ea typeface="Arial" charset="0"/>
-              <a:cs typeface="Arial" charset="0"/>
-            </a:endParaRPr>
+                <a:latin typeface="Arial" charset="0"/>
+                <a:ea typeface="Arial" charset="0"/>
+                <a:cs typeface="Arial" charset="0"/>
+              </a:rPr>
+              <a:t>Update the version in package.json.</a:t>
+            </a:r>
+          </a:p>
+          <a:p>
+            <a:pPr>
+              <a:lnSpc>
+                <a:spcPct val="150000"/>
+              </a:lnSpc>
+            </a:pPr>
+            <a:r>
+              <a:rPr lang="en-US" sz="2800" dirty="0" smtClean="0">
+                <a:latin typeface="Arial" charset="0"/>
+                <a:ea typeface="Arial" charset="0"/>
+                <a:cs typeface="Arial" charset="0"/>
+              </a:rPr>
+              <a:t>Commit changes to Github, which notifies our team via Slack </a:t>
+            </a:r>
+            <a:r>
+              <a:rPr lang="mr-IN" sz="2800" dirty="0" smtClean="0">
+                <a:latin typeface="Arial" charset="0"/>
+                <a:ea typeface="Arial" charset="0"/>
+                <a:cs typeface="Arial" charset="0"/>
+              </a:rPr>
+              <a:t>–</a:t>
+            </a:r>
+            <a:r>
+              <a:rPr lang="en-US" sz="2800" dirty="0" smtClean="0">
+                <a:latin typeface="Arial" charset="0"/>
+                <a:ea typeface="Arial" charset="0"/>
+                <a:cs typeface="Arial" charset="0"/>
+              </a:rPr>
+              <a:t> and deploys to our servers!</a:t>
+            </a:r>
           </a:p>
         </p:txBody>
       </p:sp>
     </p:spTree>
     <p:extLst>
       <p:ext uri="{BB962C8B-B14F-4D97-AF65-F5344CB8AC3E}">
-        <p14:creationId xmlns:p14="http://schemas.microsoft.com/office/powerpoint/2010/main" val="757615199"/>
+        <p14:creationId xmlns:p14="http://schemas.microsoft.com/office/powerpoint/2010/main" val="279055268"/>
       </p:ext>
     </p:extLst>
   </p:cSld>
@@ -4586,52 +4642,6 @@
       </p:grpSpPr>
       <p:sp>
         <p:nvSpPr>
-          <p:cNvPr id="6" name="Rectangle 5"/>
-          <p:cNvSpPr/>
-          <p:nvPr/>
-        </p:nvSpPr>
-        <p:spPr>
-          <a:xfrm>
-            <a:off x="4066053" y="584886"/>
-            <a:ext cx="1634532" cy="751104"/>
-          </a:xfrm>
-          <a:prstGeom prst="rect">
-            <a:avLst/>
-          </a:prstGeom>
-          <a:solidFill>
-            <a:srgbClr val="43A384"/>
-          </a:solidFill>
-          <a:ln>
-            <a:noFill/>
-          </a:ln>
-        </p:spPr>
-        <p:style>
-          <a:lnRef idx="2">
-            <a:schemeClr val="accent1">
-              <a:shade val="50000"/>
-            </a:schemeClr>
-          </a:lnRef>
-          <a:fillRef idx="1">
-            <a:schemeClr val="accent1"/>
-          </a:fillRef>
-          <a:effectRef idx="0">
-            <a:schemeClr val="accent1"/>
-          </a:effectRef>
-          <a:fontRef idx="minor">
-            <a:schemeClr val="lt1"/>
-          </a:fontRef>
-        </p:style>
-        <p:txBody>
-          <a:bodyPr rtlCol="0" anchor="ctr"/>
-          <a:lstStyle/>
-          <a:p>
-            <a:pPr algn="ctr"/>
-            <a:endParaRPr lang="en-US"/>
-          </a:p>
-        </p:txBody>
-      </p:sp>
-      <p:sp>
-        <p:nvSpPr>
           <p:cNvPr id="2" name="Title 1"/>
           <p:cNvSpPr>
             <a:spLocks noGrp="1"/>
@@ -4642,31 +4652,23 @@
         </p:nvSpPr>
         <p:spPr>
           <a:xfrm>
-            <a:off x="628650" y="343860"/>
-            <a:ext cx="7886700" cy="1325563"/>
-          </a:xfrm>
-        </p:spPr>
-        <p:txBody>
-          <a:bodyPr>
-            <a:normAutofit/>
-          </a:bodyPr>
-          <a:lstStyle/>
-          <a:p>
-            <a:r>
-              <a:rPr lang="en-US" sz="4000" dirty="0" smtClean="0">
-                <a:solidFill>
-                  <a:schemeClr val="bg1"/>
-                </a:solidFill>
-                <a:latin typeface="Arial" charset="0"/>
-                <a:ea typeface="Arial" charset="0"/>
-                <a:cs typeface="Arial" charset="0"/>
-              </a:rPr>
-              <a:t>Workflow</a:t>
-            </a:r>
-            <a:endParaRPr lang="en-US" sz="4000" dirty="0">
-              <a:solidFill>
-                <a:schemeClr val="bg1"/>
-              </a:solidFill>
+            <a:off x="623888" y="1651864"/>
+            <a:ext cx="7886700" cy="2852737"/>
+          </a:xfrm>
+        </p:spPr>
+        <p:txBody>
+          <a:bodyPr/>
+          <a:lstStyle/>
+          <a:p>
+            <a:r>
+              <a:rPr lang="en-US" dirty="0" smtClean="0">
+                <a:latin typeface="Arial" charset="0"/>
+                <a:ea typeface="Arial" charset="0"/>
+                <a:cs typeface="Arial" charset="0"/>
+              </a:rPr>
+              <a:t>Deploying and Releasing</a:t>
+            </a:r>
+            <a:endParaRPr lang="en-US" dirty="0">
               <a:latin typeface="Arial" charset="0"/>
               <a:ea typeface="Arial" charset="0"/>
               <a:cs typeface="Arial" charset="0"/>
@@ -4674,40 +4676,41 @@
           </a:p>
         </p:txBody>
       </p:sp>
-      <p:pic>
-        <p:nvPicPr>
-          <p:cNvPr id="8" name="Picture 7"/>
-          <p:cNvPicPr>
-            <a:picLocks noChangeAspect="1"/>
-          </p:cNvPicPr>
-          <p:nvPr/>
-        </p:nvPicPr>
-        <p:blipFill>
-          <a:blip r:embed="rId2">
-            <a:extLst>
-              <a:ext uri="{28A0092B-C50C-407E-A947-70E740481C1C}">
-                <a14:useLocalDpi xmlns:a14="http://schemas.microsoft.com/office/drawing/2010/main" val="0"/>
-              </a:ext>
-            </a:extLst>
-          </a:blip>
-          <a:stretch>
-            <a:fillRect/>
-          </a:stretch>
-        </p:blipFill>
-        <p:spPr>
-          <a:xfrm>
-            <a:off x="295835" y="1746185"/>
-            <a:ext cx="8552330" cy="4241956"/>
-          </a:xfrm>
-          <a:prstGeom prst="rect">
-            <a:avLst/>
-          </a:prstGeom>
-        </p:spPr>
-      </p:pic>
+      <p:sp>
+        <p:nvSpPr>
+          <p:cNvPr id="3" name="Text Placeholder 2"/>
+          <p:cNvSpPr>
+            <a:spLocks noGrp="1"/>
+          </p:cNvSpPr>
+          <p:nvPr>
+            <p:ph type="body" idx="1"/>
+          </p:nvPr>
+        </p:nvSpPr>
+        <p:spPr/>
+        <p:txBody>
+          <a:bodyPr/>
+          <a:lstStyle/>
+          <a:p>
+            <a:r>
+              <a:rPr lang="en-US" dirty="0" smtClean="0">
+                <a:latin typeface="Arial" charset="0"/>
+                <a:ea typeface="Arial" charset="0"/>
+                <a:cs typeface="Arial" charset="0"/>
+              </a:rPr>
+              <a:t>Using Codeship and Github to distribute our plugins and themes</a:t>
+            </a:r>
+            <a:endParaRPr lang="en-US" dirty="0">
+              <a:latin typeface="Arial" charset="0"/>
+              <a:ea typeface="Arial" charset="0"/>
+              <a:cs typeface="Arial" charset="0"/>
+            </a:endParaRPr>
+          </a:p>
+        </p:txBody>
+      </p:sp>
     </p:spTree>
     <p:extLst>
       <p:ext uri="{BB962C8B-B14F-4D97-AF65-F5344CB8AC3E}">
-        <p14:creationId xmlns:p14="http://schemas.microsoft.com/office/powerpoint/2010/main" val="1120718916"/>
+        <p14:creationId xmlns:p14="http://schemas.microsoft.com/office/powerpoint/2010/main" val="1087397021"/>
       </p:ext>
     </p:extLst>
   </p:cSld>
@@ -4810,12 +4813,15 @@
           <a:lstStyle/>
           <a:p>
             <a:r>
-              <a:rPr lang="en-US" dirty="0">
-                <a:latin typeface="Arial" charset="0"/>
-                <a:ea typeface="Arial" charset="0"/>
-                <a:cs typeface="Arial" charset="0"/>
-              </a:rPr>
-              <a:t>Releasing to Github</a:t>
+              <a:rPr lang="en-US" sz="4000" dirty="0" smtClean="0">
+                <a:solidFill>
+                  <a:schemeClr val="bg1"/>
+                </a:solidFill>
+                <a:latin typeface="Arial" charset="0"/>
+                <a:ea typeface="Arial" charset="0"/>
+                <a:cs typeface="Arial" charset="0"/>
+              </a:rPr>
+              <a:t>Overview</a:t>
             </a:r>
             <a:endParaRPr lang="en-US" sz="4000" dirty="0">
               <a:solidFill>
@@ -4856,12 +4862,12 @@
               </a:lnSpc>
             </a:pPr>
             <a:r>
-              <a:rPr lang="en-US" sz="2800" dirty="0">
-                <a:latin typeface="Arial" charset="0"/>
-                <a:ea typeface="Arial" charset="0"/>
-                <a:cs typeface="Arial" charset="0"/>
-              </a:rPr>
-              <a:t>The release *.zip file can be downloaded by anyone and then uploaded through the WordPress dashboard to install it on a site.</a:t>
+              <a:rPr lang="en-US" sz="2800" dirty="0" smtClean="0">
+                <a:latin typeface="Arial" charset="0"/>
+                <a:ea typeface="Arial" charset="0"/>
+                <a:cs typeface="Arial" charset="0"/>
+              </a:rPr>
+              <a:t>Automating deployment frees my time and expedites pushing fixes and features.</a:t>
             </a:r>
           </a:p>
           <a:p>
@@ -4872,11 +4878,58 @@
             </a:pPr>
             <a:r>
               <a:rPr lang="en-US" sz="2800" dirty="0" smtClean="0">
-                <a:latin typeface="Arial" charset="0"/>
-                <a:ea typeface="Arial" charset="0"/>
-                <a:cs typeface="Arial" charset="0"/>
-              </a:rPr>
-              <a:t>The release notes include commit messages for each commit that has happened since the last Github release.</a:t>
+                <a:solidFill>
+                  <a:srgbClr val="5B5B5B"/>
+                </a:solidFill>
+                <a:latin typeface="Arial" charset="0"/>
+                <a:ea typeface="Arial" charset="0"/>
+                <a:cs typeface="Arial" charset="0"/>
+              </a:rPr>
+              <a:t>It typically takes 2.5 </a:t>
+            </a:r>
+            <a:r>
+              <a:rPr lang="mr-IN" sz="2800" dirty="0" smtClean="0">
+                <a:solidFill>
+                  <a:srgbClr val="5B5B5B"/>
+                </a:solidFill>
+                <a:latin typeface="Arial" charset="0"/>
+                <a:ea typeface="Arial" charset="0"/>
+                <a:cs typeface="Arial" charset="0"/>
+              </a:rPr>
+              <a:t>–</a:t>
+            </a:r>
+            <a:r>
+              <a:rPr lang="en-US" sz="2800" dirty="0" smtClean="0">
+                <a:solidFill>
+                  <a:srgbClr val="5B5B5B"/>
+                </a:solidFill>
+                <a:latin typeface="Arial" charset="0"/>
+                <a:ea typeface="Arial" charset="0"/>
+                <a:cs typeface="Arial" charset="0"/>
+              </a:rPr>
+              <a:t> 7min based </a:t>
+            </a:r>
+            <a:r>
+              <a:rPr lang="en-US" sz="2800" dirty="0" smtClean="0">
+                <a:solidFill>
+                  <a:srgbClr val="5B5B5B"/>
+                </a:solidFill>
+                <a:latin typeface="Arial" charset="0"/>
+                <a:ea typeface="Arial" charset="0"/>
+                <a:cs typeface="Arial" charset="0"/>
+              </a:rPr>
+              <a:t>on how many servers we’re deploying </a:t>
+            </a:r>
+            <a:r>
+              <a:rPr lang="en-US" sz="2800" dirty="0" smtClean="0">
+                <a:solidFill>
+                  <a:srgbClr val="5B5B5B"/>
+                </a:solidFill>
+                <a:latin typeface="Arial" charset="0"/>
+                <a:ea typeface="Arial" charset="0"/>
+                <a:cs typeface="Arial" charset="0"/>
+              </a:rPr>
+              <a:t>to.</a:t>
             </a:r>
             <a:endParaRPr lang="en-US" sz="2800" dirty="0">
               <a:solidFill>
@@ -4892,7 +4945,7 @@
     </p:spTree>
     <p:extLst>
       <p:ext uri="{BB962C8B-B14F-4D97-AF65-F5344CB8AC3E}">
-        <p14:creationId xmlns:p14="http://schemas.microsoft.com/office/powerpoint/2010/main" val="344305801"/>
+        <p14:creationId xmlns:p14="http://schemas.microsoft.com/office/powerpoint/2010/main" val="757615199"/>
       </p:ext>
     </p:extLst>
   </p:cSld>
@@ -5003,7 +5056,7 @@
                 <a:ea typeface="Arial" charset="0"/>
                 <a:cs typeface="Arial" charset="0"/>
               </a:rPr>
-              <a:t>Codeship</a:t>
+              <a:t>Workflow</a:t>
             </a:r>
             <a:endParaRPr lang="en-US" sz="4000" dirty="0">
               <a:solidFill>
@@ -5016,89 +5069,40 @@
           </a:p>
         </p:txBody>
       </p:sp>
-      <p:sp>
-        <p:nvSpPr>
-          <p:cNvPr id="3" name="Content Placeholder 2"/>
-          <p:cNvSpPr>
-            <a:spLocks noGrp="1"/>
-          </p:cNvSpPr>
-          <p:nvPr>
-            <p:ph sz="half" idx="1"/>
-          </p:nvPr>
-        </p:nvSpPr>
-        <p:spPr>
-          <a:xfrm>
-            <a:off x="628650" y="1848773"/>
-            <a:ext cx="7878744" cy="4351338"/>
-          </a:xfrm>
-        </p:spPr>
-        <p:txBody>
-          <a:bodyPr numCol="1">
-            <a:noAutofit/>
-          </a:bodyPr>
-          <a:lstStyle/>
-          <a:p>
-            <a:pPr>
-              <a:lnSpc>
-                <a:spcPct val="150000"/>
-              </a:lnSpc>
-            </a:pPr>
-            <a:r>
-              <a:rPr lang="en-US" sz="2800" dirty="0" smtClean="0">
-                <a:latin typeface="Arial" charset="0"/>
-                <a:ea typeface="Arial" charset="0"/>
-                <a:cs typeface="Arial" charset="0"/>
-              </a:rPr>
-              <a:t>Requires about an hour of setup</a:t>
-            </a:r>
-          </a:p>
-          <a:p>
-            <a:pPr>
-              <a:lnSpc>
-                <a:spcPct val="150000"/>
-              </a:lnSpc>
-            </a:pPr>
-            <a:r>
-              <a:rPr lang="en-US" sz="2800" dirty="0" smtClean="0">
-                <a:latin typeface="Arial" charset="0"/>
-                <a:ea typeface="Arial" charset="0"/>
-                <a:cs typeface="Arial" charset="0"/>
-              </a:rPr>
-              <a:t>Uses a set of cli commands to configure the virtual machine, build files, release, and deploy.</a:t>
-            </a:r>
-          </a:p>
-          <a:p>
-            <a:pPr>
-              <a:lnSpc>
-                <a:spcPct val="150000"/>
-              </a:lnSpc>
-            </a:pPr>
-            <a:r>
-              <a:rPr lang="en-US" sz="2800" dirty="0" smtClean="0">
-                <a:solidFill>
-                  <a:srgbClr val="5B5B5B"/>
-                </a:solidFill>
-                <a:latin typeface="Arial" charset="0"/>
-                <a:ea typeface="Arial" charset="0"/>
-                <a:cs typeface="Arial" charset="0"/>
-              </a:rPr>
-              <a:t>Video tutorial on YouTube</a:t>
-            </a:r>
-            <a:endParaRPr lang="en-US" sz="2800" dirty="0">
-              <a:solidFill>
-                <a:srgbClr val="5B5B5B"/>
-              </a:solidFill>
-              <a:latin typeface="Consolas" charset="0"/>
-              <a:ea typeface="Consolas" charset="0"/>
-              <a:cs typeface="Consolas" charset="0"/>
-            </a:endParaRPr>
-          </a:p>
-        </p:txBody>
-      </p:sp>
+      <p:pic>
+        <p:nvPicPr>
+          <p:cNvPr id="8" name="Picture 7"/>
+          <p:cNvPicPr>
+            <a:picLocks noChangeAspect="1"/>
+          </p:cNvPicPr>
+          <p:nvPr/>
+        </p:nvPicPr>
+        <p:blipFill>
+          <a:blip r:embed="rId2">
+            <a:extLst>
+              <a:ext uri="{28A0092B-C50C-407E-A947-70E740481C1C}">
+                <a14:useLocalDpi xmlns:a14="http://schemas.microsoft.com/office/drawing/2010/main" val="0"/>
+              </a:ext>
+            </a:extLst>
+          </a:blip>
+          <a:stretch>
+            <a:fillRect/>
+          </a:stretch>
+        </p:blipFill>
+        <p:spPr>
+          <a:xfrm>
+            <a:off x="295835" y="1746185"/>
+            <a:ext cx="8552330" cy="4241956"/>
+          </a:xfrm>
+          <a:prstGeom prst="rect">
+            <a:avLst/>
+          </a:prstGeom>
+        </p:spPr>
+      </p:pic>
     </p:spTree>
     <p:extLst>
       <p:ext uri="{BB962C8B-B14F-4D97-AF65-F5344CB8AC3E}">
-        <p14:creationId xmlns:p14="http://schemas.microsoft.com/office/powerpoint/2010/main" val="820957198"/>
+        <p14:creationId xmlns:p14="http://schemas.microsoft.com/office/powerpoint/2010/main" val="1120718916"/>
       </p:ext>
     </p:extLst>
   </p:cSld>
@@ -5201,15 +5205,12 @@
           <a:lstStyle/>
           <a:p>
             <a:r>
-              <a:rPr lang="en-US" sz="4000" dirty="0" smtClean="0">
-                <a:solidFill>
-                  <a:schemeClr val="bg1"/>
-                </a:solidFill>
-                <a:latin typeface="Arial" charset="0"/>
-                <a:ea typeface="Arial" charset="0"/>
-                <a:cs typeface="Arial" charset="0"/>
-              </a:rPr>
-              <a:t>WP Engine</a:t>
+              <a:rPr lang="en-US" dirty="0">
+                <a:latin typeface="Arial" charset="0"/>
+                <a:ea typeface="Arial" charset="0"/>
+                <a:cs typeface="Arial" charset="0"/>
+              </a:rPr>
+              <a:t>Releasing to Github</a:t>
             </a:r>
             <a:endParaRPr lang="en-US" sz="4000" dirty="0">
               <a:solidFill>
@@ -5250,15 +5251,12 @@
               </a:lnSpc>
             </a:pPr>
             <a:r>
-              <a:rPr lang="en-US" sz="2800" dirty="0" smtClean="0">
-                <a:solidFill>
-                  <a:srgbClr val="5B5B5B"/>
-                </a:solidFill>
-                <a:latin typeface="Arial" charset="0"/>
-                <a:ea typeface="Arial" charset="0"/>
-                <a:cs typeface="Arial" charset="0"/>
-              </a:rPr>
-              <a:t>Their Git Push feature allows us to automate deployments</a:t>
+              <a:rPr lang="en-US" sz="2800" dirty="0">
+                <a:latin typeface="Arial" charset="0"/>
+                <a:ea typeface="Arial" charset="0"/>
+                <a:cs typeface="Arial" charset="0"/>
+              </a:rPr>
+              <a:t>The release *.zip file can be downloaded by anyone and then uploaded through the WordPress dashboard to install it on a site.</a:t>
             </a:r>
           </a:p>
           <a:p>
@@ -5268,22 +5266,17 @@
               </a:lnSpc>
             </a:pPr>
             <a:r>
-              <a:rPr lang="en-US" sz="2800" dirty="0">
-                <a:latin typeface="Arial" charset="0"/>
-                <a:ea typeface="Arial" charset="0"/>
-                <a:cs typeface="Arial" charset="0"/>
-              </a:rPr>
-              <a:t>Staging and Production </a:t>
-            </a:r>
-            <a:r>
               <a:rPr lang="en-US" sz="2800" dirty="0" smtClean="0">
                 <a:latin typeface="Arial" charset="0"/>
                 <a:ea typeface="Arial" charset="0"/>
                 <a:cs typeface="Arial" charset="0"/>
               </a:rPr>
-              <a:t>environments help test code if local testing isn’t enough</a:t>
+              <a:t>The release notes include commit messages for each commit that has happened since the last Github release.</a:t>
             </a:r>
             <a:endParaRPr lang="en-US" sz="2800" dirty="0">
+              <a:solidFill>
+                <a:srgbClr val="5B5B5B"/>
+              </a:solidFill>
               <a:latin typeface="Arial" charset="0"/>
               <a:ea typeface="Arial" charset="0"/>
               <a:cs typeface="Arial" charset="0"/>
@@ -5294,7 +5287,7 @@
     </p:spTree>
     <p:extLst>
       <p:ext uri="{BB962C8B-B14F-4D97-AF65-F5344CB8AC3E}">
-        <p14:creationId xmlns:p14="http://schemas.microsoft.com/office/powerpoint/2010/main" val="1181967640"/>
+        <p14:creationId xmlns:p14="http://schemas.microsoft.com/office/powerpoint/2010/main" val="344305801"/>
       </p:ext>
     </p:extLst>
   </p:cSld>
@@ -5405,7 +5398,7 @@
                 <a:ea typeface="Arial" charset="0"/>
                 <a:cs typeface="Arial" charset="0"/>
               </a:rPr>
-              <a:t>Slack</a:t>
+              <a:t>Codeship</a:t>
             </a:r>
             <a:endParaRPr lang="en-US" sz="4000" dirty="0">
               <a:solidFill>
@@ -5447,15 +5440,25 @@
             </a:pPr>
             <a:r>
               <a:rPr lang="en-US" sz="2800" dirty="0" smtClean="0">
-                <a:solidFill>
-                  <a:srgbClr val="5B5B5B"/>
-                </a:solidFill>
-                <a:latin typeface="Arial" charset="0"/>
-                <a:ea typeface="Arial" charset="0"/>
-                <a:cs typeface="Arial" charset="0"/>
-              </a:rPr>
-              <a:t>Notifies us when Codeship starts, and when it fails or succeeds</a:t>
-            </a:r>
+                <a:latin typeface="Arial" charset="0"/>
+                <a:ea typeface="Arial" charset="0"/>
+                <a:cs typeface="Arial" charset="0"/>
+              </a:rPr>
+              <a:t>Requires about an hour of </a:t>
+            </a:r>
+            <a:r>
+              <a:rPr lang="en-US" sz="2800" dirty="0" smtClean="0">
+                <a:latin typeface="Arial" charset="0"/>
+                <a:ea typeface="Arial" charset="0"/>
+                <a:cs typeface="Arial" charset="0"/>
+              </a:rPr>
+              <a:t>setup.</a:t>
+            </a:r>
+            <a:endParaRPr lang="en-US" sz="2800" dirty="0" smtClean="0">
+              <a:latin typeface="Arial" charset="0"/>
+              <a:ea typeface="Arial" charset="0"/>
+              <a:cs typeface="Arial" charset="0"/>
+            </a:endParaRPr>
           </a:p>
           <a:p>
             <a:pPr>
@@ -5469,36 +5472,44 @@
                 <a:ea typeface="Arial" charset="0"/>
                 <a:cs typeface="Arial" charset="0"/>
               </a:rPr>
-              <a:t>Notifies us when Github repositories are pushed to </a:t>
-            </a:r>
-            <a:r>
-              <a:rPr lang="en-US" sz="2800" smtClean="0">
-                <a:latin typeface="Arial" charset="0"/>
-                <a:ea typeface="Arial" charset="0"/>
-                <a:cs typeface="Arial" charset="0"/>
-              </a:rPr>
-              <a:t>or get </a:t>
-            </a:r>
+              <a:t>Uses a set of cli commands to configure the virtual machine, build files, release, and deploy.</a:t>
+            </a:r>
+          </a:p>
+          <a:p>
+            <a:pPr>
+              <a:lnSpc>
+                <a:spcPct val="150000"/>
+              </a:lnSpc>
+            </a:pPr>
             <a:r>
               <a:rPr lang="en-US" sz="2800" dirty="0" smtClean="0">
-                <a:latin typeface="Arial" charset="0"/>
-                <a:ea typeface="Arial" charset="0"/>
-                <a:cs typeface="Arial" charset="0"/>
-              </a:rPr>
-              <a:t>a </a:t>
-            </a:r>
-            <a:r>
-              <a:rPr lang="en-US" sz="2800" smtClean="0">
-                <a:latin typeface="Arial" charset="0"/>
-                <a:ea typeface="Arial" charset="0"/>
-                <a:cs typeface="Arial" charset="0"/>
-              </a:rPr>
-              <a:t>new release</a:t>
+                <a:solidFill>
+                  <a:srgbClr val="5B5B5B"/>
+                </a:solidFill>
+                <a:latin typeface="Arial" charset="0"/>
+                <a:ea typeface="Arial" charset="0"/>
+                <a:cs typeface="Arial" charset="0"/>
+              </a:rPr>
+              <a:t>Video tutorial on </a:t>
+            </a:r>
+            <a:r>
+              <a:rPr lang="en-US" sz="2800" dirty="0" smtClean="0">
+                <a:solidFill>
+                  <a:srgbClr val="5B5B5B"/>
+                </a:solidFill>
+                <a:latin typeface="Arial" charset="0"/>
+                <a:ea typeface="Arial" charset="0"/>
+                <a:cs typeface="Arial" charset="0"/>
+              </a:rPr>
+              <a:t>YouTube.</a:t>
             </a:r>
             <a:endParaRPr lang="en-US" sz="2800" dirty="0">
-              <a:latin typeface="Arial" charset="0"/>
-              <a:ea typeface="Arial" charset="0"/>
-              <a:cs typeface="Arial" charset="0"/>
+              <a:solidFill>
+                <a:srgbClr val="5B5B5B"/>
+              </a:solidFill>
+              <a:latin typeface="Consolas" charset="0"/>
+              <a:ea typeface="Consolas" charset="0"/>
+              <a:cs typeface="Consolas" charset="0"/>
             </a:endParaRPr>
           </a:p>
         </p:txBody>
@@ -5506,7 +5517,7 @@
     </p:spTree>
     <p:extLst>
       <p:ext uri="{BB962C8B-B14F-4D97-AF65-F5344CB8AC3E}">
-        <p14:creationId xmlns:p14="http://schemas.microsoft.com/office/powerpoint/2010/main" val="1076894633"/>
+        <p14:creationId xmlns:p14="http://schemas.microsoft.com/office/powerpoint/2010/main" val="820957198"/>
       </p:ext>
     </p:extLst>
   </p:cSld>
@@ -5542,6 +5553,52 @@
       </p:grpSpPr>
       <p:sp>
         <p:nvSpPr>
+          <p:cNvPr id="6" name="Rectangle 5"/>
+          <p:cNvSpPr/>
+          <p:nvPr/>
+        </p:nvSpPr>
+        <p:spPr>
+          <a:xfrm>
+            <a:off x="4066053" y="584886"/>
+            <a:ext cx="1634532" cy="751104"/>
+          </a:xfrm>
+          <a:prstGeom prst="rect">
+            <a:avLst/>
+          </a:prstGeom>
+          <a:solidFill>
+            <a:srgbClr val="43A384"/>
+          </a:solidFill>
+          <a:ln>
+            <a:noFill/>
+          </a:ln>
+        </p:spPr>
+        <p:style>
+          <a:lnRef idx="2">
+            <a:schemeClr val="accent1">
+              <a:shade val="50000"/>
+            </a:schemeClr>
+          </a:lnRef>
+          <a:fillRef idx="1">
+            <a:schemeClr val="accent1"/>
+          </a:fillRef>
+          <a:effectRef idx="0">
+            <a:schemeClr val="accent1"/>
+          </a:effectRef>
+          <a:fontRef idx="minor">
+            <a:schemeClr val="lt1"/>
+          </a:fontRef>
+        </p:style>
+        <p:txBody>
+          <a:bodyPr rtlCol="0" anchor="ctr"/>
+          <a:lstStyle/>
+          <a:p>
+            <a:pPr algn="ctr"/>
+            <a:endParaRPr lang="en-US"/>
+          </a:p>
+        </p:txBody>
+      </p:sp>
+      <p:sp>
+        <p:nvSpPr>
           <p:cNvPr id="2" name="Title 1"/>
           <p:cNvSpPr>
             <a:spLocks noGrp="1"/>
@@ -5552,23 +5609,31 @@
         </p:nvSpPr>
         <p:spPr>
           <a:xfrm>
-            <a:off x="623888" y="1651864"/>
-            <a:ext cx="7886700" cy="2852737"/>
-          </a:xfrm>
-        </p:spPr>
-        <p:txBody>
-          <a:bodyPr/>
-          <a:lstStyle/>
-          <a:p>
-            <a:r>
-              <a:rPr lang="en-US" dirty="0" smtClean="0">
-                <a:latin typeface="Arial" charset="0"/>
-                <a:ea typeface="Arial" charset="0"/>
-                <a:cs typeface="Arial" charset="0"/>
-              </a:rPr>
-              <a:t>Maintaining Websites</a:t>
-            </a:r>
-            <a:endParaRPr lang="en-US" dirty="0">
+            <a:off x="628650" y="343860"/>
+            <a:ext cx="7886700" cy="1325563"/>
+          </a:xfrm>
+        </p:spPr>
+        <p:txBody>
+          <a:bodyPr>
+            <a:normAutofit/>
+          </a:bodyPr>
+          <a:lstStyle/>
+          <a:p>
+            <a:r>
+              <a:rPr lang="en-US" sz="4000" dirty="0" smtClean="0">
+                <a:solidFill>
+                  <a:schemeClr val="bg1"/>
+                </a:solidFill>
+                <a:latin typeface="Arial" charset="0"/>
+                <a:ea typeface="Arial" charset="0"/>
+                <a:cs typeface="Arial" charset="0"/>
+              </a:rPr>
+              <a:t>WP Engine</a:t>
+            </a:r>
+            <a:endParaRPr lang="en-US" sz="4000" dirty="0">
+              <a:solidFill>
+                <a:schemeClr val="bg1"/>
+              </a:solidFill>
               <a:latin typeface="Arial" charset="0"/>
               <a:ea typeface="Arial" charset="0"/>
               <a:cs typeface="Arial" charset="0"/>
@@ -5578,55 +5643,104 @@
       </p:sp>
       <p:sp>
         <p:nvSpPr>
-          <p:cNvPr id="3" name="Text Placeholder 2"/>
-          <p:cNvSpPr>
-            <a:spLocks noGrp="1"/>
-          </p:cNvSpPr>
-          <p:nvPr>
-            <p:ph type="body" idx="1"/>
-          </p:nvPr>
-        </p:nvSpPr>
-        <p:spPr/>
-        <p:txBody>
-          <a:bodyPr/>
-          <a:lstStyle/>
-          <a:p>
-            <a:r>
-              <a:rPr lang="en-US" dirty="0" smtClean="0">
-                <a:latin typeface="Arial" charset="0"/>
-                <a:ea typeface="Arial" charset="0"/>
-                <a:cs typeface="Arial" charset="0"/>
-              </a:rPr>
-              <a:t>Updating </a:t>
-            </a:r>
-            <a:r>
-              <a:rPr lang="en-US" dirty="0" smtClean="0">
-                <a:latin typeface="Arial" charset="0"/>
-                <a:ea typeface="Arial" charset="0"/>
-                <a:cs typeface="Arial" charset="0"/>
-              </a:rPr>
-              <a:t>third party code </a:t>
-            </a:r>
-            <a:r>
-              <a:rPr lang="en-US" dirty="0" smtClean="0">
-                <a:latin typeface="Arial" charset="0"/>
-                <a:ea typeface="Arial" charset="0"/>
-                <a:cs typeface="Arial" charset="0"/>
-              </a:rPr>
-              <a:t>and supporting users</a:t>
-            </a:r>
-            <a:endParaRPr lang="en-US" dirty="0">
+          <p:cNvPr id="3" name="Content Placeholder 2"/>
+          <p:cNvSpPr>
+            <a:spLocks noGrp="1"/>
+          </p:cNvSpPr>
+          <p:nvPr>
+            <p:ph sz="half" idx="1"/>
+          </p:nvPr>
+        </p:nvSpPr>
+        <p:spPr>
+          <a:xfrm>
+            <a:off x="628650" y="1848773"/>
+            <a:ext cx="7878744" cy="4351338"/>
+          </a:xfrm>
+        </p:spPr>
+        <p:txBody>
+          <a:bodyPr numCol="1">
+            <a:noAutofit/>
+          </a:bodyPr>
+          <a:lstStyle/>
+          <a:p>
+            <a:pPr>
+              <a:lnSpc>
+                <a:spcPct val="150000"/>
+              </a:lnSpc>
+            </a:pPr>
+            <a:r>
+              <a:rPr lang="en-US" sz="2800" dirty="0" smtClean="0">
+                <a:solidFill>
+                  <a:srgbClr val="5B5B5B"/>
+                </a:solidFill>
+                <a:latin typeface="Arial" charset="0"/>
+                <a:ea typeface="Arial" charset="0"/>
+                <a:cs typeface="Arial" charset="0"/>
+              </a:rPr>
+              <a:t>Their Git Push feature allows us to automate </a:t>
+            </a:r>
+            <a:r>
+              <a:rPr lang="en-US" sz="2800" dirty="0" smtClean="0">
+                <a:solidFill>
+                  <a:srgbClr val="5B5B5B"/>
+                </a:solidFill>
+                <a:latin typeface="Arial" charset="0"/>
+                <a:ea typeface="Arial" charset="0"/>
+                <a:cs typeface="Arial" charset="0"/>
+              </a:rPr>
+              <a:t>deployments.</a:t>
+            </a:r>
+            <a:endParaRPr lang="en-US" sz="2800" dirty="0" smtClean="0">
+              <a:solidFill>
+                <a:srgbClr val="5B5B5B"/>
+              </a:solidFill>
               <a:latin typeface="Arial" charset="0"/>
               <a:ea typeface="Arial" charset="0"/>
               <a:cs typeface="Arial" charset="0"/>
             </a:endParaRPr>
           </a:p>
+          <a:p>
+            <a:pPr>
+              <a:lnSpc>
+                <a:spcPct val="150000"/>
+              </a:lnSpc>
+            </a:pPr>
+            <a:r>
+              <a:rPr lang="en-US" sz="2800" dirty="0">
+                <a:latin typeface="Arial" charset="0"/>
+                <a:ea typeface="Arial" charset="0"/>
+                <a:cs typeface="Arial" charset="0"/>
+              </a:rPr>
+              <a:t>Staging and Production </a:t>
+            </a:r>
+            <a:r>
+              <a:rPr lang="en-US" sz="2800" dirty="0" smtClean="0">
+                <a:latin typeface="Arial" charset="0"/>
+                <a:ea typeface="Arial" charset="0"/>
+                <a:cs typeface="Arial" charset="0"/>
+              </a:rPr>
+              <a:t>environments help test code if local testing isn’t </a:t>
+            </a:r>
+            <a:r>
+              <a:rPr lang="en-US" sz="2800" dirty="0" smtClean="0">
+                <a:latin typeface="Arial" charset="0"/>
+                <a:ea typeface="Arial" charset="0"/>
+                <a:cs typeface="Arial" charset="0"/>
+              </a:rPr>
+              <a:t>enough.</a:t>
+            </a:r>
+            <a:endParaRPr lang="en-US" sz="2800" dirty="0">
+              <a:latin typeface="Arial" charset="0"/>
+              <a:ea typeface="Arial" charset="0"/>
+              <a:cs typeface="Arial" charset="0"/>
+            </a:endParaRPr>
+          </a:p>
         </p:txBody>
       </p:sp>
     </p:spTree>
     <p:extLst>
       <p:ext uri="{BB962C8B-B14F-4D97-AF65-F5344CB8AC3E}">
-        <p14:creationId xmlns:p14="http://schemas.microsoft.com/office/powerpoint/2010/main" val="1968856405"/>
+        <p14:creationId xmlns:p14="http://schemas.microsoft.com/office/powerpoint/2010/main" val="1181967640"/>
       </p:ext>
     </p:extLst>
   </p:cSld>
@@ -5737,7 +5851,7 @@
                 <a:ea typeface="Arial" charset="0"/>
                 <a:cs typeface="Arial" charset="0"/>
               </a:rPr>
-              <a:t>Common tasks</a:t>
+              <a:t>Slack</a:t>
             </a:r>
             <a:endParaRPr lang="en-US" sz="4000" dirty="0">
               <a:solidFill>
@@ -5779,34 +5893,15 @@
             </a:pPr>
             <a:r>
               <a:rPr lang="en-US" sz="2800" dirty="0" smtClean="0">
-                <a:latin typeface="Arial" charset="0"/>
-                <a:ea typeface="Arial" charset="0"/>
-                <a:cs typeface="Arial" charset="0"/>
-              </a:rPr>
-              <a:t>Update core, third party plugins and themes</a:t>
-            </a:r>
-          </a:p>
-          <a:p>
-            <a:pPr>
-              <a:lnSpc>
-                <a:spcPct val="150000"/>
-              </a:lnSpc>
-            </a:pPr>
-            <a:r>
-              <a:rPr lang="en-US" sz="2800" dirty="0" smtClean="0">
-                <a:latin typeface="Arial" charset="0"/>
-                <a:ea typeface="Arial" charset="0"/>
-                <a:cs typeface="Arial" charset="0"/>
-              </a:rPr>
-              <a:t>User training</a:t>
-            </a:r>
-          </a:p>
-          <a:p>
-            <a:pPr>
-              <a:lnSpc>
-                <a:spcPct val="150000"/>
-              </a:lnSpc>
-            </a:pPr>
+                <a:solidFill>
+                  <a:srgbClr val="5B5B5B"/>
+                </a:solidFill>
+                <a:latin typeface="Arial" charset="0"/>
+                <a:ea typeface="Arial" charset="0"/>
+                <a:cs typeface="Arial" charset="0"/>
+              </a:rPr>
+              <a:t>Notifies us when Codeship starts, and when it fails or </a:t>
+            </a:r>
             <a:r>
               <a:rPr lang="en-US" sz="2800" dirty="0" smtClean="0">
                 <a:solidFill>
@@ -5816,36 +5911,9 @@
                 <a:ea typeface="Arial" charset="0"/>
                 <a:cs typeface="Arial" charset="0"/>
               </a:rPr>
-              <a:t>Install commonly used plugins on new sites</a:t>
-            </a:r>
-            <a:endParaRPr lang="en-US" sz="2800" dirty="0">
-              <a:latin typeface="Arial" charset="0"/>
-              <a:ea typeface="Arial" charset="0"/>
-              <a:cs typeface="Arial" charset="0"/>
-            </a:endParaRPr>
-          </a:p>
-          <a:p>
-            <a:pPr>
-              <a:lnSpc>
-                <a:spcPct val="150000"/>
-              </a:lnSpc>
-            </a:pPr>
-            <a:r>
-              <a:rPr lang="en-US" sz="2800" dirty="0">
-                <a:latin typeface="Arial" charset="0"/>
-                <a:ea typeface="Arial" charset="0"/>
-                <a:cs typeface="Arial" charset="0"/>
-              </a:rPr>
-              <a:t>Manage user access</a:t>
-            </a:r>
-          </a:p>
-          <a:p>
-            <a:pPr>
-              <a:lnSpc>
-                <a:spcPct val="150000"/>
-              </a:lnSpc>
-            </a:pPr>
-            <a:endParaRPr lang="en-US" sz="2800" dirty="0">
+              <a:t>succeeds.</a:t>
+            </a:r>
+            <a:endParaRPr lang="en-US" sz="2800" dirty="0" smtClean="0">
               <a:solidFill>
                 <a:srgbClr val="5B5B5B"/>
               </a:solidFill>
@@ -5854,12 +5922,40 @@
               <a:cs typeface="Arial" charset="0"/>
             </a:endParaRPr>
           </a:p>
+          <a:p>
+            <a:pPr>
+              <a:lnSpc>
+                <a:spcPct val="150000"/>
+              </a:lnSpc>
+            </a:pPr>
+            <a:r>
+              <a:rPr lang="en-US" sz="2800" dirty="0" smtClean="0">
+                <a:latin typeface="Arial" charset="0"/>
+                <a:ea typeface="Arial" charset="0"/>
+                <a:cs typeface="Arial" charset="0"/>
+              </a:rPr>
+              <a:t>Notifies us when Github repositories are pushed to or get a new </a:t>
+            </a:r>
+            <a:r>
+              <a:rPr lang="en-US" sz="2800" dirty="0" smtClean="0">
+                <a:latin typeface="Arial" charset="0"/>
+                <a:ea typeface="Arial" charset="0"/>
+                <a:cs typeface="Arial" charset="0"/>
+              </a:rPr>
+              <a:t>release.</a:t>
+            </a:r>
+            <a:endParaRPr lang="en-US" sz="2800" dirty="0">
+              <a:latin typeface="Arial" charset="0"/>
+              <a:ea typeface="Arial" charset="0"/>
+              <a:cs typeface="Arial" charset="0"/>
+            </a:endParaRPr>
+          </a:p>
         </p:txBody>
       </p:sp>
     </p:spTree>
     <p:extLst>
       <p:ext uri="{BB962C8B-B14F-4D97-AF65-F5344CB8AC3E}">
-        <p14:creationId xmlns:p14="http://schemas.microsoft.com/office/powerpoint/2010/main" val="2005433656"/>
+        <p14:creationId xmlns:p14="http://schemas.microsoft.com/office/powerpoint/2010/main" val="1076894633"/>
       </p:ext>
     </p:extLst>
   </p:cSld>
@@ -5895,52 +5991,6 @@
       </p:grpSpPr>
       <p:sp>
         <p:nvSpPr>
-          <p:cNvPr id="6" name="Rectangle 5"/>
-          <p:cNvSpPr/>
-          <p:nvPr/>
-        </p:nvSpPr>
-        <p:spPr>
-          <a:xfrm>
-            <a:off x="4066053" y="584886"/>
-            <a:ext cx="1634532" cy="751104"/>
-          </a:xfrm>
-          <a:prstGeom prst="rect">
-            <a:avLst/>
-          </a:prstGeom>
-          <a:solidFill>
-            <a:srgbClr val="43A384"/>
-          </a:solidFill>
-          <a:ln>
-            <a:noFill/>
-          </a:ln>
-        </p:spPr>
-        <p:style>
-          <a:lnRef idx="2">
-            <a:schemeClr val="accent1">
-              <a:shade val="50000"/>
-            </a:schemeClr>
-          </a:lnRef>
-          <a:fillRef idx="1">
-            <a:schemeClr val="accent1"/>
-          </a:fillRef>
-          <a:effectRef idx="0">
-            <a:schemeClr val="accent1"/>
-          </a:effectRef>
-          <a:fontRef idx="minor">
-            <a:schemeClr val="lt1"/>
-          </a:fontRef>
-        </p:style>
-        <p:txBody>
-          <a:bodyPr rtlCol="0" anchor="ctr"/>
-          <a:lstStyle/>
-          <a:p>
-            <a:pPr algn="ctr"/>
-            <a:endParaRPr lang="en-US"/>
-          </a:p>
-        </p:txBody>
-      </p:sp>
-      <p:sp>
-        <p:nvSpPr>
           <p:cNvPr id="2" name="Title 1"/>
           <p:cNvSpPr>
             <a:spLocks noGrp="1"/>
@@ -5951,31 +6001,23 @@
         </p:nvSpPr>
         <p:spPr>
           <a:xfrm>
-            <a:off x="628650" y="343860"/>
-            <a:ext cx="7886700" cy="1325563"/>
-          </a:xfrm>
-        </p:spPr>
-        <p:txBody>
-          <a:bodyPr>
-            <a:normAutofit/>
-          </a:bodyPr>
-          <a:lstStyle/>
-          <a:p>
-            <a:r>
-              <a:rPr lang="en-US" sz="4000" dirty="0" smtClean="0">
-                <a:solidFill>
-                  <a:schemeClr val="bg1"/>
-                </a:solidFill>
-                <a:latin typeface="Arial" charset="0"/>
-                <a:ea typeface="Arial" charset="0"/>
-                <a:cs typeface="Arial" charset="0"/>
-              </a:rPr>
-              <a:t>Updates</a:t>
-            </a:r>
-            <a:endParaRPr lang="en-US" sz="4000" dirty="0">
-              <a:solidFill>
-                <a:schemeClr val="bg1"/>
-              </a:solidFill>
+            <a:off x="623888" y="1651864"/>
+            <a:ext cx="7886700" cy="2852737"/>
+          </a:xfrm>
+        </p:spPr>
+        <p:txBody>
+          <a:bodyPr/>
+          <a:lstStyle/>
+          <a:p>
+            <a:r>
+              <a:rPr lang="en-US" dirty="0" smtClean="0">
+                <a:latin typeface="Arial" charset="0"/>
+                <a:ea typeface="Arial" charset="0"/>
+                <a:cs typeface="Arial" charset="0"/>
+              </a:rPr>
+              <a:t>Maintaining Websites</a:t>
+            </a:r>
+            <a:endParaRPr lang="en-US" dirty="0">
               <a:latin typeface="Arial" charset="0"/>
               <a:ea typeface="Arial" charset="0"/>
               <a:cs typeface="Arial" charset="0"/>
@@ -5985,301 +6027,39 @@
       </p:sp>
       <p:sp>
         <p:nvSpPr>
-          <p:cNvPr id="3" name="Content Placeholder 2"/>
-          <p:cNvSpPr>
-            <a:spLocks noGrp="1"/>
-          </p:cNvSpPr>
-          <p:nvPr>
-            <p:ph sz="half" idx="1"/>
-          </p:nvPr>
-        </p:nvSpPr>
-        <p:spPr>
-          <a:xfrm>
-            <a:off x="628650" y="1848773"/>
-            <a:ext cx="7878744" cy="4351338"/>
-          </a:xfrm>
-        </p:spPr>
-        <p:txBody>
-          <a:bodyPr numCol="1">
-            <a:noAutofit/>
-          </a:bodyPr>
-          <a:lstStyle/>
-          <a:p>
-            <a:pPr>
-              <a:lnSpc>
-                <a:spcPct val="150000"/>
-              </a:lnSpc>
-            </a:pPr>
-            <a:r>
-              <a:rPr lang="en-US" sz="2800" dirty="0" smtClean="0">
-                <a:latin typeface="Arial" charset="0"/>
-                <a:ea typeface="Arial" charset="0"/>
-                <a:cs typeface="Arial" charset="0"/>
-              </a:rPr>
-              <a:t>Back up servers</a:t>
-            </a:r>
-          </a:p>
-          <a:p>
-            <a:pPr>
-              <a:lnSpc>
-                <a:spcPct val="150000"/>
-              </a:lnSpc>
-            </a:pPr>
-            <a:r>
-              <a:rPr lang="en-US" sz="2800" dirty="0" err="1" smtClean="0">
-                <a:latin typeface="Consolas" charset="0"/>
-                <a:ea typeface="Consolas" charset="0"/>
-                <a:cs typeface="Consolas" charset="0"/>
-              </a:rPr>
-              <a:t>wp</a:t>
-            </a:r>
-            <a:r>
-              <a:rPr lang="en-US" sz="2800" dirty="0" smtClean="0">
-                <a:latin typeface="Consolas" charset="0"/>
-                <a:ea typeface="Consolas" charset="0"/>
-                <a:cs typeface="Consolas" charset="0"/>
-              </a:rPr>
-              <a:t> core update</a:t>
-            </a:r>
-            <a:r>
-              <a:rPr lang="en-US" sz="2800" dirty="0">
-                <a:latin typeface="Consolas" charset="0"/>
-                <a:ea typeface="Consolas" charset="0"/>
-                <a:cs typeface="Consolas" charset="0"/>
-              </a:rPr>
-              <a:t> --</a:t>
-            </a:r>
-            <a:r>
-              <a:rPr lang="en-US" sz="2800" dirty="0" err="1">
-                <a:latin typeface="Consolas" charset="0"/>
-                <a:ea typeface="Consolas" charset="0"/>
-                <a:cs typeface="Consolas" charset="0"/>
-              </a:rPr>
-              <a:t>ssh</a:t>
-            </a:r>
-            <a:r>
-              <a:rPr lang="en-US" sz="2800" dirty="0">
-                <a:latin typeface="Consolas" charset="0"/>
-                <a:ea typeface="Consolas" charset="0"/>
-                <a:cs typeface="Consolas" charset="0"/>
-              </a:rPr>
-              <a:t>=</a:t>
-            </a:r>
-            <a:r>
-              <a:rPr lang="en-US" sz="2800" dirty="0" err="1">
-                <a:latin typeface="Consolas" charset="0"/>
-                <a:ea typeface="Consolas" charset="0"/>
-                <a:cs typeface="Consolas" charset="0"/>
-              </a:rPr>
-              <a:t>sshlogin</a:t>
-            </a:r>
-            <a:endParaRPr lang="en-US" sz="2800" dirty="0" smtClean="0">
-              <a:latin typeface="Consolas" charset="0"/>
-              <a:ea typeface="Consolas" charset="0"/>
-              <a:cs typeface="Consolas" charset="0"/>
-            </a:endParaRPr>
-          </a:p>
-          <a:p>
-            <a:pPr>
-              <a:lnSpc>
-                <a:spcPct val="150000"/>
-              </a:lnSpc>
-            </a:pPr>
-            <a:r>
-              <a:rPr lang="en-US" sz="2800" dirty="0" err="1">
-                <a:latin typeface="Consolas" charset="0"/>
-                <a:ea typeface="Consolas" charset="0"/>
-                <a:cs typeface="Consolas" charset="0"/>
-              </a:rPr>
-              <a:t>w</a:t>
-            </a:r>
-            <a:r>
-              <a:rPr lang="en-US" sz="2800" dirty="0" err="1" smtClean="0">
-                <a:latin typeface="Consolas" charset="0"/>
-                <a:ea typeface="Consolas" charset="0"/>
-                <a:cs typeface="Consolas" charset="0"/>
-              </a:rPr>
-              <a:t>p</a:t>
-            </a:r>
-            <a:r>
-              <a:rPr lang="en-US" sz="2800" dirty="0" smtClean="0">
-                <a:latin typeface="Consolas" charset="0"/>
-                <a:ea typeface="Consolas" charset="0"/>
-                <a:cs typeface="Consolas" charset="0"/>
-              </a:rPr>
-              <a:t> plugin update </a:t>
-            </a:r>
-            <a:r>
-              <a:rPr lang="mr-IN" sz="2800" dirty="0" smtClean="0">
-                <a:latin typeface="Consolas" charset="0"/>
-                <a:ea typeface="Consolas" charset="0"/>
-                <a:cs typeface="Consolas" charset="0"/>
-              </a:rPr>
-              <a:t>–</a:t>
-            </a:r>
-            <a:r>
-              <a:rPr lang="en-US" sz="2800" dirty="0" smtClean="0">
-                <a:latin typeface="Consolas" charset="0"/>
-                <a:ea typeface="Consolas" charset="0"/>
-                <a:cs typeface="Consolas" charset="0"/>
-              </a:rPr>
-              <a:t>all </a:t>
-            </a:r>
-            <a:r>
-              <a:rPr lang="en-US" sz="2800" dirty="0">
-                <a:latin typeface="Consolas" charset="0"/>
-                <a:ea typeface="Consolas" charset="0"/>
-                <a:cs typeface="Consolas" charset="0"/>
-              </a:rPr>
-              <a:t>--</a:t>
-            </a:r>
-            <a:r>
-              <a:rPr lang="en-US" sz="2800" dirty="0" err="1">
-                <a:latin typeface="Consolas" charset="0"/>
-                <a:ea typeface="Consolas" charset="0"/>
-                <a:cs typeface="Consolas" charset="0"/>
-              </a:rPr>
-              <a:t>ssh</a:t>
-            </a:r>
-            <a:r>
-              <a:rPr lang="en-US" sz="2800" dirty="0">
-                <a:latin typeface="Consolas" charset="0"/>
-                <a:ea typeface="Consolas" charset="0"/>
-                <a:cs typeface="Consolas" charset="0"/>
-              </a:rPr>
-              <a:t>=</a:t>
-            </a:r>
-            <a:r>
-              <a:rPr lang="en-US" sz="2800" dirty="0" err="1">
-                <a:latin typeface="Consolas" charset="0"/>
-                <a:ea typeface="Consolas" charset="0"/>
-                <a:cs typeface="Consolas" charset="0"/>
-              </a:rPr>
-              <a:t>sshlogin</a:t>
-            </a:r>
-            <a:endParaRPr lang="en-US" sz="2800" dirty="0" smtClean="0">
-              <a:latin typeface="Consolas" charset="0"/>
-              <a:ea typeface="Consolas" charset="0"/>
-              <a:cs typeface="Consolas" charset="0"/>
-            </a:endParaRPr>
-          </a:p>
-          <a:p>
-            <a:pPr>
-              <a:lnSpc>
-                <a:spcPct val="150000"/>
-              </a:lnSpc>
-            </a:pPr>
-            <a:r>
-              <a:rPr lang="en-US" sz="2800" dirty="0" err="1">
-                <a:latin typeface="Consolas" charset="0"/>
-                <a:ea typeface="Consolas" charset="0"/>
-                <a:cs typeface="Consolas" charset="0"/>
-              </a:rPr>
-              <a:t>w</a:t>
-            </a:r>
-            <a:r>
-              <a:rPr lang="en-US" sz="2800" dirty="0" err="1" smtClean="0">
-                <a:latin typeface="Consolas" charset="0"/>
-                <a:ea typeface="Consolas" charset="0"/>
-                <a:cs typeface="Consolas" charset="0"/>
-              </a:rPr>
-              <a:t>p</a:t>
-            </a:r>
-            <a:r>
-              <a:rPr lang="en-US" sz="2800" dirty="0" smtClean="0">
-                <a:latin typeface="Consolas" charset="0"/>
-                <a:ea typeface="Consolas" charset="0"/>
-                <a:cs typeface="Consolas" charset="0"/>
-              </a:rPr>
-              <a:t> theme update </a:t>
-            </a:r>
-            <a:r>
-              <a:rPr lang="mr-IN" sz="2800" dirty="0" smtClean="0">
-                <a:latin typeface="Consolas" charset="0"/>
-                <a:ea typeface="Consolas" charset="0"/>
-                <a:cs typeface="Consolas" charset="0"/>
-              </a:rPr>
-              <a:t>–</a:t>
-            </a:r>
-            <a:r>
-              <a:rPr lang="en-US" sz="2800" dirty="0" smtClean="0">
-                <a:latin typeface="Consolas" charset="0"/>
-                <a:ea typeface="Consolas" charset="0"/>
-                <a:cs typeface="Consolas" charset="0"/>
-              </a:rPr>
-              <a:t>all</a:t>
-            </a:r>
-            <a:r>
-              <a:rPr lang="en-US" sz="2800" dirty="0">
-                <a:latin typeface="Consolas" charset="0"/>
-                <a:ea typeface="Consolas" charset="0"/>
-                <a:cs typeface="Consolas" charset="0"/>
-              </a:rPr>
-              <a:t> --</a:t>
-            </a:r>
-            <a:r>
-              <a:rPr lang="en-US" sz="2800" dirty="0" err="1">
-                <a:latin typeface="Consolas" charset="0"/>
-                <a:ea typeface="Consolas" charset="0"/>
-                <a:cs typeface="Consolas" charset="0"/>
-              </a:rPr>
-              <a:t>ssh</a:t>
-            </a:r>
-            <a:r>
-              <a:rPr lang="en-US" sz="2800" dirty="0">
-                <a:latin typeface="Consolas" charset="0"/>
-                <a:ea typeface="Consolas" charset="0"/>
-                <a:cs typeface="Consolas" charset="0"/>
-              </a:rPr>
-              <a:t>=</a:t>
-            </a:r>
-            <a:r>
-              <a:rPr lang="en-US" sz="2800" dirty="0" err="1">
-                <a:latin typeface="Consolas" charset="0"/>
-                <a:ea typeface="Consolas" charset="0"/>
-                <a:cs typeface="Consolas" charset="0"/>
-              </a:rPr>
-              <a:t>sshlogin</a:t>
-            </a:r>
-            <a:endParaRPr lang="en-US" sz="2800" dirty="0" smtClean="0">
-              <a:latin typeface="Consolas" charset="0"/>
-              <a:ea typeface="Consolas" charset="0"/>
-              <a:cs typeface="Consolas" charset="0"/>
-            </a:endParaRPr>
-          </a:p>
-          <a:p>
-            <a:pPr>
-              <a:lnSpc>
-                <a:spcPct val="150000"/>
-              </a:lnSpc>
-            </a:pPr>
-            <a:endParaRPr lang="en-US" sz="2800" dirty="0">
+          <p:cNvPr id="3" name="Text Placeholder 2"/>
+          <p:cNvSpPr>
+            <a:spLocks noGrp="1"/>
+          </p:cNvSpPr>
+          <p:nvPr>
+            <p:ph type="body" idx="1"/>
+          </p:nvPr>
+        </p:nvSpPr>
+        <p:spPr/>
+        <p:txBody>
+          <a:bodyPr/>
+          <a:lstStyle/>
+          <a:p>
+            <a:r>
+              <a:rPr lang="en-US" dirty="0" smtClean="0">
+                <a:latin typeface="Arial" charset="0"/>
+                <a:ea typeface="Arial" charset="0"/>
+                <a:cs typeface="Arial" charset="0"/>
+              </a:rPr>
+              <a:t>Updating third party code and supporting users</a:t>
+            </a:r>
+            <a:endParaRPr lang="en-US" dirty="0">
               <a:latin typeface="Arial" charset="0"/>
               <a:ea typeface="Arial" charset="0"/>
               <a:cs typeface="Arial" charset="0"/>
             </a:endParaRPr>
           </a:p>
-          <a:p>
-            <a:pPr>
-              <a:lnSpc>
-                <a:spcPct val="150000"/>
-              </a:lnSpc>
-            </a:pPr>
-            <a:endParaRPr lang="en-US" sz="2800" dirty="0">
-              <a:solidFill>
-                <a:srgbClr val="5B5B5B"/>
-              </a:solidFill>
-              <a:latin typeface="Arial" charset="0"/>
-              <a:ea typeface="Arial" charset="0"/>
-              <a:cs typeface="Arial" charset="0"/>
-            </a:endParaRPr>
-          </a:p>
         </p:txBody>
       </p:sp>
     </p:spTree>
     <p:extLst>
       <p:ext uri="{BB962C8B-B14F-4D97-AF65-F5344CB8AC3E}">
-        <p14:creationId xmlns:p14="http://schemas.microsoft.com/office/powerpoint/2010/main" val="710566807"/>
+        <p14:creationId xmlns:p14="http://schemas.microsoft.com/office/powerpoint/2010/main" val="1968856405"/>
       </p:ext>
     </p:extLst>
   </p:cSld>
@@ -6390,7 +6170,7 @@
                 <a:ea typeface="Arial" charset="0"/>
                 <a:cs typeface="Arial" charset="0"/>
               </a:rPr>
-              <a:t>Training</a:t>
+              <a:t>Common tasks</a:t>
             </a:r>
             <a:endParaRPr lang="en-US" sz="4000" dirty="0">
               <a:solidFill>
@@ -6436,8 +6216,21 @@
                 <a:ea typeface="Arial" charset="0"/>
                 <a:cs typeface="Arial" charset="0"/>
               </a:rPr>
-              <a:t>WP101 videos embedded in the dashboard</a:t>
-            </a:r>
+              <a:t>Update core, third party plugins and </a:t>
+            </a:r>
+            <a:r>
+              <a:rPr lang="en-US" sz="2800" dirty="0" smtClean="0">
+                <a:latin typeface="Arial" charset="0"/>
+                <a:ea typeface="Arial" charset="0"/>
+                <a:cs typeface="Arial" charset="0"/>
+              </a:rPr>
+              <a:t>themes.</a:t>
+            </a:r>
+            <a:endParaRPr lang="en-US" sz="2800" dirty="0" smtClean="0">
+              <a:latin typeface="Arial" charset="0"/>
+              <a:ea typeface="Arial" charset="0"/>
+              <a:cs typeface="Arial" charset="0"/>
+            </a:endParaRPr>
           </a:p>
           <a:p>
             <a:pPr>
@@ -6450,10 +6243,29 @@
                 <a:latin typeface="Arial" charset="0"/>
                 <a:ea typeface="Arial" charset="0"/>
                 <a:cs typeface="Arial" charset="0"/>
-                <a:hlinkClick r:id="rId2"/>
-              </a:rPr>
-              <a:t>https://f</a:t>
-            </a:r>
+              </a:rPr>
+              <a:t>User </a:t>
+            </a:r>
+            <a:r>
+              <a:rPr lang="en-US" sz="2800" dirty="0" smtClean="0">
+                <a:latin typeface="Arial" charset="0"/>
+                <a:ea typeface="Arial" charset="0"/>
+                <a:cs typeface="Arial" charset="0"/>
+              </a:rPr>
+              <a:t>training.</a:t>
+            </a:r>
+            <a:endParaRPr lang="en-US" sz="2800" dirty="0" smtClean="0">
+              <a:latin typeface="Arial" charset="0"/>
+              <a:ea typeface="Arial" charset="0"/>
+              <a:cs typeface="Arial" charset="0"/>
+            </a:endParaRPr>
+          </a:p>
+          <a:p>
+            <a:pPr>
+              <a:lnSpc>
+                <a:spcPct val="150000"/>
+              </a:lnSpc>
+            </a:pPr>
             <a:r>
               <a:rPr lang="en-US" sz="2800" dirty="0" smtClean="0">
                 <a:solidFill>
@@ -6462,11 +6274,61 @@
                 <a:latin typeface="Arial" charset="0"/>
                 <a:ea typeface="Arial" charset="0"/>
                 <a:cs typeface="Arial" charset="0"/>
-                <a:hlinkClick r:id="rId2"/>
-              </a:rPr>
-              <a:t>irstcallhelp.tamu.edu/</a:t>
-            </a:r>
-            <a:endParaRPr lang="en-US" sz="2800" dirty="0" smtClean="0">
+              </a:rPr>
+              <a:t>Install commonly used plugins on new </a:t>
+            </a:r>
+            <a:r>
+              <a:rPr lang="en-US" sz="2800" dirty="0" smtClean="0">
+                <a:solidFill>
+                  <a:srgbClr val="5B5B5B"/>
+                </a:solidFill>
+                <a:latin typeface="Arial" charset="0"/>
+                <a:ea typeface="Arial" charset="0"/>
+                <a:cs typeface="Arial" charset="0"/>
+              </a:rPr>
+              <a:t>sites.</a:t>
+            </a:r>
+            <a:endParaRPr lang="en-US" sz="2800" dirty="0">
+              <a:latin typeface="Arial" charset="0"/>
+              <a:ea typeface="Arial" charset="0"/>
+              <a:cs typeface="Arial" charset="0"/>
+            </a:endParaRPr>
+          </a:p>
+          <a:p>
+            <a:pPr>
+              <a:lnSpc>
+                <a:spcPct val="150000"/>
+              </a:lnSpc>
+            </a:pPr>
+            <a:r>
+              <a:rPr lang="en-US" sz="2800" dirty="0">
+                <a:latin typeface="Arial" charset="0"/>
+                <a:ea typeface="Arial" charset="0"/>
+                <a:cs typeface="Arial" charset="0"/>
+              </a:rPr>
+              <a:t>Manage user </a:t>
+            </a:r>
+            <a:r>
+              <a:rPr lang="en-US" sz="2800" dirty="0" smtClean="0">
+                <a:latin typeface="Arial" charset="0"/>
+                <a:ea typeface="Arial" charset="0"/>
+                <a:cs typeface="Arial" charset="0"/>
+              </a:rPr>
+              <a:t>access.</a:t>
+            </a:r>
+            <a:endParaRPr lang="en-US" sz="2800" dirty="0">
+              <a:latin typeface="Arial" charset="0"/>
+              <a:ea typeface="Arial" charset="0"/>
+              <a:cs typeface="Arial" charset="0"/>
+            </a:endParaRPr>
+          </a:p>
+          <a:p>
+            <a:pPr>
+              <a:lnSpc>
+                <a:spcPct val="150000"/>
+              </a:lnSpc>
+            </a:pPr>
+            <a:endParaRPr lang="en-US" sz="2800" dirty="0">
               <a:solidFill>
                 <a:srgbClr val="5B5B5B"/>
               </a:solidFill>
@@ -6475,27 +6337,12 @@
               <a:cs typeface="Arial" charset="0"/>
             </a:endParaRPr>
           </a:p>
-          <a:p>
-            <a:pPr>
-              <a:lnSpc>
-                <a:spcPct val="150000"/>
-              </a:lnSpc>
-            </a:pPr>
-            <a:endParaRPr lang="en-US" sz="2800" dirty="0" smtClean="0">
-              <a:solidFill>
-                <a:srgbClr val="5B5B5B"/>
-              </a:solidFill>
-              <a:latin typeface="Arial" charset="0"/>
-              <a:ea typeface="Arial" charset="0"/>
-              <a:cs typeface="Arial" charset="0"/>
-            </a:endParaRPr>
-          </a:p>
         </p:txBody>
       </p:sp>
     </p:spTree>
     <p:extLst>
       <p:ext uri="{BB962C8B-B14F-4D97-AF65-F5344CB8AC3E}">
-        <p14:creationId xmlns:p14="http://schemas.microsoft.com/office/powerpoint/2010/main" val="833607234"/>
+        <p14:creationId xmlns:p14="http://schemas.microsoft.com/office/powerpoint/2010/main" val="2005433656"/>
       </p:ext>
     </p:extLst>
   </p:cSld>
@@ -6783,7 +6630,7 @@
                 <a:ea typeface="Arial" charset="0"/>
                 <a:cs typeface="Arial" charset="0"/>
               </a:rPr>
-              <a:t>Common plugins</a:t>
+              <a:t>Updates</a:t>
             </a:r>
             <a:endParaRPr lang="en-US" sz="4000" dirty="0">
               <a:solidFill>
@@ -6818,103 +6665,278 @@
           </a:bodyPr>
           <a:lstStyle/>
           <a:p>
-            <a:r>
-              <a:rPr lang="en-US" sz="2800" dirty="0"/>
-              <a:t>Advanced Custom </a:t>
-            </a:r>
-            <a:r>
-              <a:rPr lang="en-US" sz="2800" dirty="0" smtClean="0"/>
-              <a:t>Fields Pro</a:t>
-            </a:r>
-            <a:r>
-              <a:rPr lang="en-US" sz="2800" dirty="0"/>
-              <a:t> (</a:t>
-            </a:r>
-            <a:r>
-              <a:rPr lang="en-US" sz="2800" dirty="0" smtClean="0"/>
-              <a:t>premium or free)</a:t>
-            </a:r>
-            <a:endParaRPr lang="en-US" sz="2800" dirty="0"/>
-          </a:p>
-          <a:p>
-            <a:r>
-              <a:rPr lang="en-US" sz="2800" dirty="0"/>
-              <a:t>Gravity </a:t>
-            </a:r>
-            <a:r>
-              <a:rPr lang="en-US" sz="2800" dirty="0" smtClean="0"/>
-              <a:t>Forms (premium)</a:t>
-            </a:r>
-            <a:endParaRPr lang="en-US" sz="2800" dirty="0"/>
-          </a:p>
-          <a:p>
-            <a:r>
-              <a:rPr lang="en-US" sz="2800" dirty="0"/>
-              <a:t>CAS </a:t>
-            </a:r>
-            <a:r>
-              <a:rPr lang="en-US" sz="2800" dirty="0" smtClean="0"/>
-              <a:t>Maestro</a:t>
-            </a:r>
-          </a:p>
-          <a:p>
-            <a:r>
-              <a:rPr lang="en-US" sz="2800" dirty="0" smtClean="0"/>
-              <a:t>Soliloquy Slider</a:t>
-            </a:r>
-          </a:p>
-          <a:p>
-            <a:r>
-              <a:rPr lang="en-US" sz="2800" dirty="0" smtClean="0"/>
-              <a:t>Google </a:t>
-            </a:r>
-            <a:r>
-              <a:rPr lang="en-US" sz="2800" dirty="0"/>
-              <a:t>Analytics for </a:t>
-            </a:r>
-            <a:r>
-              <a:rPr lang="en-US" sz="2800" dirty="0" smtClean="0"/>
-              <a:t>WordPress</a:t>
-            </a:r>
-          </a:p>
-          <a:p>
-            <a:r>
-              <a:rPr lang="en-US" sz="2800" dirty="0" smtClean="0"/>
-              <a:t>Really </a:t>
-            </a:r>
-            <a:r>
-              <a:rPr lang="en-US" sz="2800" dirty="0"/>
-              <a:t>Simple SSL</a:t>
-            </a:r>
-          </a:p>
-          <a:p>
-            <a:r>
-              <a:rPr lang="en-US" sz="2800" dirty="0"/>
-              <a:t>The Events Calendar</a:t>
-            </a:r>
-          </a:p>
-          <a:p>
-            <a:r>
-              <a:rPr lang="en-US" sz="2800" dirty="0"/>
-              <a:t>WP101 (premium)</a:t>
-            </a:r>
-          </a:p>
-          <a:p>
-            <a:r>
-              <a:rPr lang="en-US" sz="2800" dirty="0" err="1"/>
-              <a:t>Yoast</a:t>
-            </a:r>
-            <a:r>
-              <a:rPr lang="en-US" sz="2800" dirty="0"/>
-              <a:t> SEO</a:t>
-            </a:r>
+            <a:pPr>
+              <a:lnSpc>
+                <a:spcPct val="150000"/>
+              </a:lnSpc>
+            </a:pPr>
+            <a:r>
+              <a:rPr lang="en-US" sz="2800" dirty="0" smtClean="0">
+                <a:latin typeface="Arial" charset="0"/>
+                <a:ea typeface="Arial" charset="0"/>
+                <a:cs typeface="Arial" charset="0"/>
+              </a:rPr>
+              <a:t>Back up </a:t>
+            </a:r>
+            <a:r>
+              <a:rPr lang="en-US" sz="2800" dirty="0" smtClean="0">
+                <a:latin typeface="Arial" charset="0"/>
+                <a:ea typeface="Arial" charset="0"/>
+                <a:cs typeface="Arial" charset="0"/>
+              </a:rPr>
+              <a:t>servers.</a:t>
+            </a:r>
+            <a:endParaRPr lang="en-US" sz="2800" dirty="0" smtClean="0">
+              <a:latin typeface="Arial" charset="0"/>
+              <a:ea typeface="Arial" charset="0"/>
+              <a:cs typeface="Arial" charset="0"/>
+            </a:endParaRPr>
+          </a:p>
+          <a:p>
+            <a:pPr>
+              <a:lnSpc>
+                <a:spcPct val="150000"/>
+              </a:lnSpc>
+            </a:pPr>
+            <a:r>
+              <a:rPr lang="en-US" sz="2800" dirty="0" err="1" smtClean="0">
+                <a:latin typeface="Consolas" charset="0"/>
+                <a:ea typeface="Consolas" charset="0"/>
+                <a:cs typeface="Consolas" charset="0"/>
+              </a:rPr>
+              <a:t>wp</a:t>
+            </a:r>
+            <a:r>
+              <a:rPr lang="en-US" sz="2800" dirty="0" smtClean="0">
+                <a:latin typeface="Consolas" charset="0"/>
+                <a:ea typeface="Consolas" charset="0"/>
+                <a:cs typeface="Consolas" charset="0"/>
+              </a:rPr>
+              <a:t> core update</a:t>
+            </a:r>
+            <a:r>
+              <a:rPr lang="en-US" sz="2800" dirty="0">
+                <a:latin typeface="Consolas" charset="0"/>
+                <a:ea typeface="Consolas" charset="0"/>
+                <a:cs typeface="Consolas" charset="0"/>
+              </a:rPr>
+              <a:t> --</a:t>
+            </a:r>
+            <a:r>
+              <a:rPr lang="en-US" sz="2800" dirty="0" err="1">
+                <a:latin typeface="Consolas" charset="0"/>
+                <a:ea typeface="Consolas" charset="0"/>
+                <a:cs typeface="Consolas" charset="0"/>
+              </a:rPr>
+              <a:t>ssh</a:t>
+            </a:r>
+            <a:r>
+              <a:rPr lang="en-US" sz="2800" dirty="0">
+                <a:latin typeface="Consolas" charset="0"/>
+                <a:ea typeface="Consolas" charset="0"/>
+                <a:cs typeface="Consolas" charset="0"/>
+              </a:rPr>
+              <a:t>=</a:t>
+            </a:r>
+            <a:r>
+              <a:rPr lang="en-US" sz="2800" dirty="0" err="1">
+                <a:latin typeface="Consolas" charset="0"/>
+                <a:ea typeface="Consolas" charset="0"/>
+                <a:cs typeface="Consolas" charset="0"/>
+              </a:rPr>
+              <a:t>sshlogin</a:t>
+            </a:r>
+            <a:endParaRPr lang="en-US" sz="2800" dirty="0" smtClean="0">
+              <a:latin typeface="Consolas" charset="0"/>
+              <a:ea typeface="Consolas" charset="0"/>
+              <a:cs typeface="Consolas" charset="0"/>
+            </a:endParaRPr>
+          </a:p>
+          <a:p>
+            <a:pPr>
+              <a:lnSpc>
+                <a:spcPct val="150000"/>
+              </a:lnSpc>
+            </a:pPr>
+            <a:r>
+              <a:rPr lang="en-US" sz="2800" dirty="0" err="1">
+                <a:latin typeface="Consolas" charset="0"/>
+                <a:ea typeface="Consolas" charset="0"/>
+                <a:cs typeface="Consolas" charset="0"/>
+              </a:rPr>
+              <a:t>w</a:t>
+            </a:r>
+            <a:r>
+              <a:rPr lang="en-US" sz="2800" dirty="0" err="1" smtClean="0">
+                <a:latin typeface="Consolas" charset="0"/>
+                <a:ea typeface="Consolas" charset="0"/>
+                <a:cs typeface="Consolas" charset="0"/>
+              </a:rPr>
+              <a:t>p</a:t>
+            </a:r>
+            <a:r>
+              <a:rPr lang="en-US" sz="2800" dirty="0" smtClean="0">
+                <a:latin typeface="Consolas" charset="0"/>
+                <a:ea typeface="Consolas" charset="0"/>
+                <a:cs typeface="Consolas" charset="0"/>
+              </a:rPr>
+              <a:t> plugin update </a:t>
+            </a:r>
+            <a:r>
+              <a:rPr lang="en-US" sz="2800" dirty="0" smtClean="0">
+                <a:latin typeface="Consolas" charset="0"/>
+                <a:ea typeface="Consolas" charset="0"/>
+                <a:cs typeface="Consolas" charset="0"/>
+              </a:rPr>
+              <a:t>--all </a:t>
+            </a:r>
+            <a:r>
+              <a:rPr lang="en-US" sz="2800" dirty="0">
+                <a:latin typeface="Consolas" charset="0"/>
+                <a:ea typeface="Consolas" charset="0"/>
+                <a:cs typeface="Consolas" charset="0"/>
+              </a:rPr>
+              <a:t>--</a:t>
+            </a:r>
+            <a:r>
+              <a:rPr lang="en-US" sz="2800" dirty="0" err="1">
+                <a:latin typeface="Consolas" charset="0"/>
+                <a:ea typeface="Consolas" charset="0"/>
+                <a:cs typeface="Consolas" charset="0"/>
+              </a:rPr>
+              <a:t>ssh</a:t>
+            </a:r>
+            <a:r>
+              <a:rPr lang="en-US" sz="2800" dirty="0">
+                <a:latin typeface="Consolas" charset="0"/>
+                <a:ea typeface="Consolas" charset="0"/>
+                <a:cs typeface="Consolas" charset="0"/>
+              </a:rPr>
+              <a:t>=</a:t>
+            </a:r>
+            <a:r>
+              <a:rPr lang="en-US" sz="2800" dirty="0" err="1">
+                <a:latin typeface="Consolas" charset="0"/>
+                <a:ea typeface="Consolas" charset="0"/>
+                <a:cs typeface="Consolas" charset="0"/>
+              </a:rPr>
+              <a:t>sshlogin</a:t>
+            </a:r>
+            <a:endParaRPr lang="en-US" sz="2800" dirty="0" smtClean="0">
+              <a:latin typeface="Consolas" charset="0"/>
+              <a:ea typeface="Consolas" charset="0"/>
+              <a:cs typeface="Consolas" charset="0"/>
+            </a:endParaRPr>
+          </a:p>
+          <a:p>
+            <a:pPr>
+              <a:lnSpc>
+                <a:spcPct val="150000"/>
+              </a:lnSpc>
+            </a:pPr>
+            <a:r>
+              <a:rPr lang="en-US" sz="2800" dirty="0" err="1">
+                <a:latin typeface="Consolas" charset="0"/>
+                <a:ea typeface="Consolas" charset="0"/>
+                <a:cs typeface="Consolas" charset="0"/>
+              </a:rPr>
+              <a:t>w</a:t>
+            </a:r>
+            <a:r>
+              <a:rPr lang="en-US" sz="2800" dirty="0" err="1" smtClean="0">
+                <a:latin typeface="Consolas" charset="0"/>
+                <a:ea typeface="Consolas" charset="0"/>
+                <a:cs typeface="Consolas" charset="0"/>
+              </a:rPr>
+              <a:t>p</a:t>
+            </a:r>
+            <a:r>
+              <a:rPr lang="en-US" sz="2800" dirty="0" smtClean="0">
+                <a:latin typeface="Consolas" charset="0"/>
+                <a:ea typeface="Consolas" charset="0"/>
+                <a:cs typeface="Consolas" charset="0"/>
+              </a:rPr>
+              <a:t> theme update </a:t>
+            </a:r>
+            <a:r>
+              <a:rPr lang="en-US" sz="2800" dirty="0" smtClean="0">
+                <a:latin typeface="Consolas" charset="0"/>
+                <a:ea typeface="Consolas" charset="0"/>
+                <a:cs typeface="Consolas" charset="0"/>
+              </a:rPr>
+              <a:t>--all </a:t>
+            </a:r>
+            <a:r>
+              <a:rPr lang="en-US" sz="2800" dirty="0">
+                <a:latin typeface="Consolas" charset="0"/>
+                <a:ea typeface="Consolas" charset="0"/>
+                <a:cs typeface="Consolas" charset="0"/>
+              </a:rPr>
+              <a:t>--</a:t>
+            </a:r>
+            <a:r>
+              <a:rPr lang="en-US" sz="2800" dirty="0" err="1">
+                <a:latin typeface="Consolas" charset="0"/>
+                <a:ea typeface="Consolas" charset="0"/>
+                <a:cs typeface="Consolas" charset="0"/>
+              </a:rPr>
+              <a:t>ssh</a:t>
+            </a:r>
+            <a:r>
+              <a:rPr lang="en-US" sz="2800" dirty="0">
+                <a:latin typeface="Consolas" charset="0"/>
+                <a:ea typeface="Consolas" charset="0"/>
+                <a:cs typeface="Consolas" charset="0"/>
+              </a:rPr>
+              <a:t>=</a:t>
+            </a:r>
+            <a:r>
+              <a:rPr lang="en-US" sz="2800" dirty="0" err="1">
+                <a:latin typeface="Consolas" charset="0"/>
+                <a:ea typeface="Consolas" charset="0"/>
+                <a:cs typeface="Consolas" charset="0"/>
+              </a:rPr>
+              <a:t>sshlogin</a:t>
+            </a:r>
+            <a:endParaRPr lang="en-US" sz="2800" dirty="0" smtClean="0">
+              <a:latin typeface="Consolas" charset="0"/>
+              <a:ea typeface="Consolas" charset="0"/>
+              <a:cs typeface="Consolas" charset="0"/>
+            </a:endParaRPr>
+          </a:p>
+          <a:p>
+            <a:pPr>
+              <a:lnSpc>
+                <a:spcPct val="150000"/>
+              </a:lnSpc>
+            </a:pPr>
+            <a:endParaRPr lang="en-US" sz="2800" dirty="0">
+              <a:latin typeface="Arial" charset="0"/>
+              <a:ea typeface="Arial" charset="0"/>
+              <a:cs typeface="Arial" charset="0"/>
+            </a:endParaRPr>
+          </a:p>
+          <a:p>
+            <a:pPr>
+              <a:lnSpc>
+                <a:spcPct val="150000"/>
+              </a:lnSpc>
+            </a:pPr>
+            <a:endParaRPr lang="en-US" sz="2800" dirty="0">
+              <a:solidFill>
+                <a:srgbClr val="5B5B5B"/>
+              </a:solidFill>
+              <a:latin typeface="Arial" charset="0"/>
+              <a:ea typeface="Arial" charset="0"/>
+              <a:cs typeface="Arial" charset="0"/>
+            </a:endParaRPr>
           </a:p>
         </p:txBody>
       </p:sp>
     </p:spTree>
     <p:extLst>
       <p:ext uri="{BB962C8B-B14F-4D97-AF65-F5344CB8AC3E}">
-        <p14:creationId xmlns:p14="http://schemas.microsoft.com/office/powerpoint/2010/main" val="878971884"/>
+        <p14:creationId xmlns:p14="http://schemas.microsoft.com/office/powerpoint/2010/main" val="710566807"/>
       </p:ext>
     </p:extLst>
   </p:cSld>
@@ -7025,7 +7047,7 @@
                 <a:ea typeface="Arial" charset="0"/>
                 <a:cs typeface="Arial" charset="0"/>
               </a:rPr>
-              <a:t>User access</a:t>
+              <a:t>Training</a:t>
             </a:r>
             <a:endParaRPr lang="en-US" sz="4000" dirty="0">
               <a:solidFill>
@@ -7071,155 +7093,56 @@
                 <a:ea typeface="Arial" charset="0"/>
                 <a:cs typeface="Arial" charset="0"/>
               </a:rPr>
-              <a:t>User roles define access</a:t>
-            </a:r>
-          </a:p>
-          <a:p>
-            <a:r>
-              <a:rPr lang="en-US" sz="2800" dirty="0" err="1">
-                <a:latin typeface="Consolas" charset="0"/>
-                <a:ea typeface="Consolas" charset="0"/>
-                <a:cs typeface="Consolas" charset="0"/>
-              </a:rPr>
-              <a:t>wp</a:t>
-            </a:r>
-            <a:r>
-              <a:rPr lang="en-US" sz="2800" dirty="0">
-                <a:latin typeface="Consolas" charset="0"/>
-                <a:ea typeface="Consolas" charset="0"/>
-                <a:cs typeface="Consolas" charset="0"/>
-              </a:rPr>
-              <a:t> role create </a:t>
-            </a:r>
-            <a:r>
-              <a:rPr lang="en-US" sz="2800" i="1" dirty="0" err="1">
-                <a:latin typeface="Consolas" charset="0"/>
-                <a:ea typeface="Consolas" charset="0"/>
-                <a:cs typeface="Consolas" charset="0"/>
-              </a:rPr>
-              <a:t>role_slug</a:t>
-            </a:r>
-            <a:r>
-              <a:rPr lang="en-US" sz="2800" dirty="0">
-                <a:latin typeface="Consolas" charset="0"/>
-                <a:ea typeface="Consolas" charset="0"/>
-                <a:cs typeface="Consolas" charset="0"/>
-              </a:rPr>
-              <a:t> </a:t>
-            </a:r>
-            <a:r>
-              <a:rPr lang="en-US" sz="2800" i="1" dirty="0">
-                <a:latin typeface="Consolas" charset="0"/>
-                <a:ea typeface="Consolas" charset="0"/>
-                <a:cs typeface="Consolas" charset="0"/>
-              </a:rPr>
-              <a:t>Name</a:t>
-            </a:r>
-            <a:endParaRPr lang="en-US" sz="2800" dirty="0">
-              <a:latin typeface="Consolas" charset="0"/>
-              <a:ea typeface="Consolas" charset="0"/>
-              <a:cs typeface="Consolas" charset="0"/>
+              <a:t>WP101 videos embedded in the </a:t>
+            </a:r>
+            <a:r>
+              <a:rPr lang="en-US" sz="2800" dirty="0" smtClean="0">
+                <a:latin typeface="Arial" charset="0"/>
+                <a:ea typeface="Arial" charset="0"/>
+                <a:cs typeface="Arial" charset="0"/>
+              </a:rPr>
+              <a:t>dashboard.</a:t>
+            </a:r>
+            <a:endParaRPr lang="en-US" sz="2800" dirty="0" smtClean="0">
+              <a:latin typeface="Arial" charset="0"/>
+              <a:ea typeface="Arial" charset="0"/>
+              <a:cs typeface="Arial" charset="0"/>
             </a:endParaRPr>
           </a:p>
           <a:p>
-            <a:r>
-              <a:rPr lang="en-US" sz="2800" dirty="0" err="1">
-                <a:latin typeface="Consolas" charset="0"/>
-                <a:ea typeface="Consolas" charset="0"/>
-                <a:cs typeface="Consolas" charset="0"/>
-              </a:rPr>
-              <a:t>wp</a:t>
-            </a:r>
-            <a:r>
-              <a:rPr lang="en-US" sz="2800" dirty="0">
-                <a:latin typeface="Consolas" charset="0"/>
-                <a:ea typeface="Consolas" charset="0"/>
-                <a:cs typeface="Consolas" charset="0"/>
-              </a:rPr>
-              <a:t> cap add “</a:t>
-            </a:r>
-            <a:r>
-              <a:rPr lang="en-US" sz="2800" i="1" dirty="0" err="1">
-                <a:latin typeface="Consolas" charset="0"/>
-                <a:ea typeface="Consolas" charset="0"/>
-                <a:cs typeface="Consolas" charset="0"/>
-              </a:rPr>
-              <a:t>role_slug</a:t>
-            </a:r>
-            <a:r>
-              <a:rPr lang="en-US" sz="2800" dirty="0">
-                <a:latin typeface="Consolas" charset="0"/>
-                <a:ea typeface="Consolas" charset="0"/>
-                <a:cs typeface="Consolas" charset="0"/>
-              </a:rPr>
-              <a:t>” “</a:t>
-            </a:r>
-            <a:r>
-              <a:rPr lang="en-US" sz="2800" i="1" dirty="0" err="1">
-                <a:latin typeface="Consolas" charset="0"/>
-                <a:ea typeface="Consolas" charset="0"/>
-                <a:cs typeface="Consolas" charset="0"/>
-              </a:rPr>
-              <a:t>capability_slug</a:t>
-            </a:r>
-            <a:r>
-              <a:rPr lang="en-US" sz="2800" dirty="0">
-                <a:latin typeface="Consolas" charset="0"/>
-                <a:ea typeface="Consolas" charset="0"/>
-                <a:cs typeface="Consolas" charset="0"/>
-              </a:rPr>
-              <a:t>”</a:t>
-            </a:r>
-          </a:p>
-          <a:p>
-            <a:r>
-              <a:rPr lang="en-US" sz="2800" dirty="0"/>
-              <a:t>Optional: </a:t>
-            </a:r>
-            <a:r>
-              <a:rPr lang="en-US" sz="2800" dirty="0" err="1">
-                <a:latin typeface="Consolas" charset="0"/>
-                <a:ea typeface="Consolas" charset="0"/>
-                <a:cs typeface="Consolas" charset="0"/>
-              </a:rPr>
-              <a:t>wp</a:t>
-            </a:r>
-            <a:r>
-              <a:rPr lang="en-US" sz="2800" dirty="0">
-                <a:latin typeface="Consolas" charset="0"/>
-                <a:ea typeface="Consolas" charset="0"/>
-                <a:cs typeface="Consolas" charset="0"/>
-              </a:rPr>
-              <a:t> user set-role </a:t>
-            </a:r>
-            <a:r>
-              <a:rPr lang="en-US" sz="2800" i="1" dirty="0">
-                <a:latin typeface="Consolas" charset="0"/>
-                <a:ea typeface="Consolas" charset="0"/>
-                <a:cs typeface="Consolas" charset="0"/>
-              </a:rPr>
-              <a:t>username</a:t>
-            </a:r>
-            <a:r>
-              <a:rPr lang="en-US" sz="2800" dirty="0">
-                <a:latin typeface="Consolas" charset="0"/>
-                <a:ea typeface="Consolas" charset="0"/>
-                <a:cs typeface="Consolas" charset="0"/>
-              </a:rPr>
-              <a:t> </a:t>
-            </a:r>
-            <a:r>
-              <a:rPr lang="en-US" sz="2800" i="1" dirty="0" err="1">
-                <a:latin typeface="Consolas" charset="0"/>
-                <a:ea typeface="Consolas" charset="0"/>
-                <a:cs typeface="Consolas" charset="0"/>
-              </a:rPr>
-              <a:t>role_slug</a:t>
-            </a:r>
-            <a:endParaRPr lang="en-US" sz="2800" dirty="0">
-              <a:latin typeface="Consolas" charset="0"/>
-              <a:ea typeface="Consolas" charset="0"/>
-              <a:cs typeface="Consolas" charset="0"/>
+            <a:pPr>
+              <a:lnSpc>
+                <a:spcPct val="150000"/>
+              </a:lnSpc>
+            </a:pPr>
+            <a:r>
+              <a:rPr lang="en-US" sz="2800" dirty="0" smtClean="0">
+                <a:latin typeface="Arial" charset="0"/>
+                <a:ea typeface="Arial" charset="0"/>
+                <a:cs typeface="Arial" charset="0"/>
+                <a:hlinkClick r:id="rId2"/>
+              </a:rPr>
+              <a:t>https://f</a:t>
+            </a:r>
+            <a:r>
+              <a:rPr lang="en-US" sz="2800" dirty="0" smtClean="0">
+                <a:solidFill>
+                  <a:srgbClr val="5B5B5B"/>
+                </a:solidFill>
+                <a:latin typeface="Arial" charset="0"/>
+                <a:ea typeface="Arial" charset="0"/>
+                <a:cs typeface="Arial" charset="0"/>
+                <a:hlinkClick r:id="rId2"/>
+              </a:rPr>
+              <a:t>irstcallhelp.tamu.edu/</a:t>
+            </a:r>
+            <a:endParaRPr lang="en-US" sz="2800" dirty="0" smtClean="0">
+              <a:solidFill>
+                <a:srgbClr val="5B5B5B"/>
+              </a:solidFill>
+              <a:latin typeface="Arial" charset="0"/>
+              <a:ea typeface="Arial" charset="0"/>
+              <a:cs typeface="Arial" charset="0"/>
             </a:endParaRPr>
           </a:p>
           <a:p>
@@ -7242,7 +7165,7 @@
     </p:spTree>
     <p:extLst>
       <p:ext uri="{BB962C8B-B14F-4D97-AF65-F5344CB8AC3E}">
-        <p14:creationId xmlns:p14="http://schemas.microsoft.com/office/powerpoint/2010/main" val="962198203"/>
+        <p14:creationId xmlns:p14="http://schemas.microsoft.com/office/powerpoint/2010/main" val="833607234"/>
       </p:ext>
     </p:extLst>
   </p:cSld>
@@ -7353,7 +7276,7 @@
                 <a:ea typeface="Arial" charset="0"/>
                 <a:cs typeface="Arial" charset="0"/>
               </a:rPr>
-              <a:t>Our approach</a:t>
+              <a:t>Common plugins</a:t>
             </a:r>
             <a:endParaRPr lang="en-US" sz="4000" dirty="0">
               <a:solidFill>
@@ -7388,74 +7311,103 @@
           </a:bodyPr>
           <a:lstStyle/>
           <a:p>
-            <a:pPr>
-              <a:lnSpc>
-                <a:spcPct val="150000"/>
-              </a:lnSpc>
-            </a:pPr>
-            <a:r>
-              <a:rPr lang="en-US" sz="2800" dirty="0" smtClean="0">
-                <a:latin typeface="Arial" charset="0"/>
-                <a:ea typeface="Arial" charset="0"/>
-                <a:cs typeface="Arial" charset="0"/>
-              </a:rPr>
-              <a:t>Allows us to support a large number of sites and users with a relatively small team</a:t>
-            </a:r>
-          </a:p>
-          <a:p>
-            <a:pPr>
-              <a:lnSpc>
-                <a:spcPct val="150000"/>
-              </a:lnSpc>
-            </a:pPr>
-            <a:r>
-              <a:rPr lang="en-US" sz="2800" dirty="0" smtClean="0">
-                <a:latin typeface="Arial" charset="0"/>
-                <a:ea typeface="Arial" charset="0"/>
-                <a:cs typeface="Arial" charset="0"/>
-              </a:rPr>
-              <a:t>Helps provide our users with secure</a:t>
-            </a:r>
-            <a:r>
-              <a:rPr lang="en-US" sz="2800" dirty="0">
-                <a:latin typeface="Arial" charset="0"/>
-                <a:ea typeface="Arial" charset="0"/>
-                <a:cs typeface="Arial" charset="0"/>
-              </a:rPr>
-              <a:t> </a:t>
-            </a:r>
-            <a:r>
-              <a:rPr lang="en-US" sz="2800" dirty="0" smtClean="0">
-                <a:latin typeface="Arial" charset="0"/>
-                <a:ea typeface="Arial" charset="0"/>
-                <a:cs typeface="Arial" charset="0"/>
-              </a:rPr>
-              <a:t>and accessible plugins, themes, and websites which are easy for all of us to modify</a:t>
-            </a:r>
-            <a:endParaRPr lang="en-US" sz="2800" dirty="0" smtClean="0">
-              <a:latin typeface="Arial" charset="0"/>
-              <a:ea typeface="Arial" charset="0"/>
-              <a:cs typeface="Arial" charset="0"/>
-            </a:endParaRPr>
-          </a:p>
-          <a:p>
-            <a:pPr>
-              <a:lnSpc>
-                <a:spcPct val="150000"/>
-              </a:lnSpc>
-            </a:pPr>
-            <a:endParaRPr lang="en-US" sz="2800" dirty="0" smtClean="0">
-              <a:latin typeface="Arial" charset="0"/>
-              <a:ea typeface="Arial" charset="0"/>
-              <a:cs typeface="Arial" charset="0"/>
-            </a:endParaRPr>
+            <a:r>
+              <a:rPr lang="en-US" sz="2800" dirty="0"/>
+              <a:t>Advanced Custom </a:t>
+            </a:r>
+            <a:r>
+              <a:rPr lang="en-US" sz="2800" dirty="0" smtClean="0"/>
+              <a:t>Fields Pro</a:t>
+            </a:r>
+            <a:r>
+              <a:rPr lang="en-US" sz="2800" dirty="0"/>
+              <a:t> (</a:t>
+            </a:r>
+            <a:r>
+              <a:rPr lang="en-US" sz="2800" dirty="0" smtClean="0"/>
+              <a:t>premium or free)</a:t>
+            </a:r>
+            <a:endParaRPr lang="en-US" sz="2800" dirty="0"/>
+          </a:p>
+          <a:p>
+            <a:r>
+              <a:rPr lang="en-US" sz="2800" dirty="0"/>
+              <a:t>Gravity </a:t>
+            </a:r>
+            <a:r>
+              <a:rPr lang="en-US" sz="2800" dirty="0" smtClean="0"/>
+              <a:t>Forms (premium)</a:t>
+            </a:r>
+            <a:endParaRPr lang="en-US" sz="2800" dirty="0"/>
+          </a:p>
+          <a:p>
+            <a:r>
+              <a:rPr lang="en-US" sz="2800" dirty="0"/>
+              <a:t>CAS </a:t>
+            </a:r>
+            <a:r>
+              <a:rPr lang="en-US" sz="2800" dirty="0" smtClean="0"/>
+              <a:t>Maestro</a:t>
+            </a:r>
+          </a:p>
+          <a:p>
+            <a:r>
+              <a:rPr lang="en-US" sz="2800" dirty="0" smtClean="0"/>
+              <a:t>Soliloquy Slider</a:t>
+            </a:r>
+          </a:p>
+          <a:p>
+            <a:r>
+              <a:rPr lang="en-US" sz="2800" dirty="0" smtClean="0"/>
+              <a:t>Google </a:t>
+            </a:r>
+            <a:r>
+              <a:rPr lang="en-US" sz="2800" dirty="0"/>
+              <a:t>Analytics for </a:t>
+            </a:r>
+            <a:r>
+              <a:rPr lang="en-US" sz="2800" dirty="0" smtClean="0"/>
+              <a:t>WordPress</a:t>
+            </a:r>
+          </a:p>
+          <a:p>
+            <a:r>
+              <a:rPr lang="en-US" sz="2800" dirty="0" smtClean="0"/>
+              <a:t>Really </a:t>
+            </a:r>
+            <a:r>
+              <a:rPr lang="en-US" sz="2800" dirty="0"/>
+              <a:t>Simple SSL</a:t>
+            </a:r>
+          </a:p>
+          <a:p>
+            <a:r>
+              <a:rPr lang="en-US" sz="2800" dirty="0"/>
+              <a:t>The Events Calendar</a:t>
+            </a:r>
+          </a:p>
+          <a:p>
+            <a:r>
+              <a:rPr lang="en-US" sz="2800" dirty="0"/>
+              <a:t>WP101 (premium)</a:t>
+            </a:r>
+          </a:p>
+          <a:p>
+            <a:r>
+              <a:rPr lang="en-US" sz="2800" dirty="0" err="1"/>
+              <a:t>Yoast</a:t>
+            </a:r>
+            <a:r>
+              <a:rPr lang="en-US" sz="2800" dirty="0"/>
+              <a:t> SEO</a:t>
+            </a:r>
           </a:p>
         </p:txBody>
       </p:sp>
     </p:spTree>
     <p:extLst>
       <p:ext uri="{BB962C8B-B14F-4D97-AF65-F5344CB8AC3E}">
-        <p14:creationId xmlns:p14="http://schemas.microsoft.com/office/powerpoint/2010/main" val="919203709"/>
+        <p14:creationId xmlns:p14="http://schemas.microsoft.com/office/powerpoint/2010/main" val="878971884"/>
       </p:ext>
     </p:extLst>
   </p:cSld>
@@ -7566,7 +7518,7 @@
                 <a:ea typeface="Arial" charset="0"/>
                 <a:cs typeface="Arial" charset="0"/>
               </a:rPr>
-              <a:t>Our approach</a:t>
+              <a:t>User access</a:t>
             </a:r>
             <a:endParaRPr lang="en-US" sz="4000" dirty="0">
               <a:solidFill>
@@ -7612,8 +7564,618 @@
                 <a:ea typeface="Arial" charset="0"/>
                 <a:cs typeface="Arial" charset="0"/>
               </a:rPr>
-              <a:t>Reduces the amount of time and effort it takes to make and upload a change to our code.</a:t>
-            </a:r>
+              <a:t>User roles define </a:t>
+            </a:r>
+            <a:r>
+              <a:rPr lang="en-US" sz="2800" dirty="0" smtClean="0">
+                <a:latin typeface="Arial" charset="0"/>
+                <a:ea typeface="Arial" charset="0"/>
+                <a:cs typeface="Arial" charset="0"/>
+              </a:rPr>
+              <a:t>access.</a:t>
+            </a:r>
+            <a:endParaRPr lang="en-US" sz="2800" dirty="0" smtClean="0">
+              <a:latin typeface="Arial" charset="0"/>
+              <a:ea typeface="Arial" charset="0"/>
+              <a:cs typeface="Arial" charset="0"/>
+            </a:endParaRPr>
+          </a:p>
+          <a:p>
+            <a:r>
+              <a:rPr lang="en-US" sz="2800" dirty="0" err="1">
+                <a:latin typeface="Consolas" charset="0"/>
+                <a:ea typeface="Consolas" charset="0"/>
+                <a:cs typeface="Consolas" charset="0"/>
+              </a:rPr>
+              <a:t>wp</a:t>
+            </a:r>
+            <a:r>
+              <a:rPr lang="en-US" sz="2800" dirty="0">
+                <a:latin typeface="Consolas" charset="0"/>
+                <a:ea typeface="Consolas" charset="0"/>
+                <a:cs typeface="Consolas" charset="0"/>
+              </a:rPr>
+              <a:t> role create </a:t>
+            </a:r>
+            <a:r>
+              <a:rPr lang="en-US" sz="2800" i="1" dirty="0" err="1">
+                <a:latin typeface="Consolas" charset="0"/>
+                <a:ea typeface="Consolas" charset="0"/>
+                <a:cs typeface="Consolas" charset="0"/>
+              </a:rPr>
+              <a:t>role_slug</a:t>
+            </a:r>
+            <a:r>
+              <a:rPr lang="en-US" sz="2800" dirty="0">
+                <a:latin typeface="Consolas" charset="0"/>
+                <a:ea typeface="Consolas" charset="0"/>
+                <a:cs typeface="Consolas" charset="0"/>
+              </a:rPr>
+              <a:t> </a:t>
+            </a:r>
+            <a:r>
+              <a:rPr lang="en-US" sz="2800" i="1" dirty="0">
+                <a:latin typeface="Consolas" charset="0"/>
+                <a:ea typeface="Consolas" charset="0"/>
+                <a:cs typeface="Consolas" charset="0"/>
+              </a:rPr>
+              <a:t>Name</a:t>
+            </a:r>
+            <a:endParaRPr lang="en-US" sz="2800" dirty="0">
+              <a:latin typeface="Consolas" charset="0"/>
+              <a:ea typeface="Consolas" charset="0"/>
+              <a:cs typeface="Consolas" charset="0"/>
+            </a:endParaRPr>
+          </a:p>
+          <a:p>
+            <a:r>
+              <a:rPr lang="en-US" sz="2800" dirty="0" err="1">
+                <a:latin typeface="Consolas" charset="0"/>
+                <a:ea typeface="Consolas" charset="0"/>
+                <a:cs typeface="Consolas" charset="0"/>
+              </a:rPr>
+              <a:t>wp</a:t>
+            </a:r>
+            <a:r>
+              <a:rPr lang="en-US" sz="2800" dirty="0">
+                <a:latin typeface="Consolas" charset="0"/>
+                <a:ea typeface="Consolas" charset="0"/>
+                <a:cs typeface="Consolas" charset="0"/>
+              </a:rPr>
+              <a:t> cap add “</a:t>
+            </a:r>
+            <a:r>
+              <a:rPr lang="en-US" sz="2800" i="1" dirty="0" err="1">
+                <a:latin typeface="Consolas" charset="0"/>
+                <a:ea typeface="Consolas" charset="0"/>
+                <a:cs typeface="Consolas" charset="0"/>
+              </a:rPr>
+              <a:t>role_slug</a:t>
+            </a:r>
+            <a:r>
+              <a:rPr lang="en-US" sz="2800" dirty="0">
+                <a:latin typeface="Consolas" charset="0"/>
+                <a:ea typeface="Consolas" charset="0"/>
+                <a:cs typeface="Consolas" charset="0"/>
+              </a:rPr>
+              <a:t>” “</a:t>
+            </a:r>
+            <a:r>
+              <a:rPr lang="en-US" sz="2800" i="1" dirty="0" err="1">
+                <a:latin typeface="Consolas" charset="0"/>
+                <a:ea typeface="Consolas" charset="0"/>
+                <a:cs typeface="Consolas" charset="0"/>
+              </a:rPr>
+              <a:t>capability_slug</a:t>
+            </a:r>
+            <a:r>
+              <a:rPr lang="en-US" sz="2800" dirty="0">
+                <a:latin typeface="Consolas" charset="0"/>
+                <a:ea typeface="Consolas" charset="0"/>
+                <a:cs typeface="Consolas" charset="0"/>
+              </a:rPr>
+              <a:t>”</a:t>
+            </a:r>
+          </a:p>
+          <a:p>
+            <a:r>
+              <a:rPr lang="en-US" sz="2800" dirty="0"/>
+              <a:t>Optional: </a:t>
+            </a:r>
+            <a:r>
+              <a:rPr lang="en-US" sz="2800" dirty="0" err="1">
+                <a:latin typeface="Consolas" charset="0"/>
+                <a:ea typeface="Consolas" charset="0"/>
+                <a:cs typeface="Consolas" charset="0"/>
+              </a:rPr>
+              <a:t>wp</a:t>
+            </a:r>
+            <a:r>
+              <a:rPr lang="en-US" sz="2800" dirty="0">
+                <a:latin typeface="Consolas" charset="0"/>
+                <a:ea typeface="Consolas" charset="0"/>
+                <a:cs typeface="Consolas" charset="0"/>
+              </a:rPr>
+              <a:t> user set-role </a:t>
+            </a:r>
+            <a:r>
+              <a:rPr lang="en-US" sz="2800" i="1" dirty="0">
+                <a:latin typeface="Consolas" charset="0"/>
+                <a:ea typeface="Consolas" charset="0"/>
+                <a:cs typeface="Consolas" charset="0"/>
+              </a:rPr>
+              <a:t>username</a:t>
+            </a:r>
+            <a:r>
+              <a:rPr lang="en-US" sz="2800" dirty="0">
+                <a:latin typeface="Consolas" charset="0"/>
+                <a:ea typeface="Consolas" charset="0"/>
+                <a:cs typeface="Consolas" charset="0"/>
+              </a:rPr>
+              <a:t> </a:t>
+            </a:r>
+            <a:r>
+              <a:rPr lang="en-US" sz="2800" i="1" dirty="0" err="1">
+                <a:latin typeface="Consolas" charset="0"/>
+                <a:ea typeface="Consolas" charset="0"/>
+                <a:cs typeface="Consolas" charset="0"/>
+              </a:rPr>
+              <a:t>role_slug</a:t>
+            </a:r>
+            <a:endParaRPr lang="en-US" sz="2800" dirty="0">
+              <a:latin typeface="Consolas" charset="0"/>
+              <a:ea typeface="Consolas" charset="0"/>
+              <a:cs typeface="Consolas" charset="0"/>
+            </a:endParaRPr>
+          </a:p>
+          <a:p>
+            <a:pPr>
+              <a:lnSpc>
+                <a:spcPct val="150000"/>
+              </a:lnSpc>
+            </a:pPr>
+            <a:endParaRPr lang="en-US" sz="2800" dirty="0" smtClean="0">
+              <a:solidFill>
+                <a:srgbClr val="5B5B5B"/>
+              </a:solidFill>
+              <a:latin typeface="Arial" charset="0"/>
+              <a:ea typeface="Arial" charset="0"/>
+              <a:cs typeface="Arial" charset="0"/>
+            </a:endParaRPr>
+          </a:p>
+        </p:txBody>
+      </p:sp>
+    </p:spTree>
+    <p:extLst>
+      <p:ext uri="{BB962C8B-B14F-4D97-AF65-F5344CB8AC3E}">
+        <p14:creationId xmlns:p14="http://schemas.microsoft.com/office/powerpoint/2010/main" val="962198203"/>
+      </p:ext>
+    </p:extLst>
+  </p:cSld>
+  <p:clrMapOvr>
+    <a:masterClrMapping/>
+  </p:clrMapOvr>
+  <p:timing>
+    <p:tnLst>
+      <p:par>
+        <p:cTn id="1" dur="indefinite" restart="never" nodeType="tmRoot"/>
+      </p:par>
+    </p:tnLst>
+  </p:timing>
+</p:sld>
+</file>
+
+<file path=ppt/slides/slide24.xml><?xml version="1.0" encoding="utf-8"?>
+<p:sld xmlns:a="http://schemas.openxmlformats.org/drawingml/2006/main" xmlns:r="http://schemas.openxmlformats.org/officeDocument/2006/relationships" xmlns:p="http://schemas.openxmlformats.org/presentationml/2006/main">
+  <p:cSld>
+    <p:spTree>
+      <p:nvGrpSpPr>
+        <p:cNvPr id="1" name=""/>
+        <p:cNvGrpSpPr/>
+        <p:nvPr/>
+      </p:nvGrpSpPr>
+      <p:grpSpPr>
+        <a:xfrm>
+          <a:off x="0" y="0"/>
+          <a:ext cx="0" cy="0"/>
+          <a:chOff x="0" y="0"/>
+          <a:chExt cx="0" cy="0"/>
+        </a:xfrm>
+      </p:grpSpPr>
+      <p:sp>
+        <p:nvSpPr>
+          <p:cNvPr id="6" name="Rectangle 5"/>
+          <p:cNvSpPr/>
+          <p:nvPr/>
+        </p:nvSpPr>
+        <p:spPr>
+          <a:xfrm>
+            <a:off x="4066053" y="584886"/>
+            <a:ext cx="1634532" cy="751104"/>
+          </a:xfrm>
+          <a:prstGeom prst="rect">
+            <a:avLst/>
+          </a:prstGeom>
+          <a:solidFill>
+            <a:srgbClr val="43A384"/>
+          </a:solidFill>
+          <a:ln>
+            <a:noFill/>
+          </a:ln>
+        </p:spPr>
+        <p:style>
+          <a:lnRef idx="2">
+            <a:schemeClr val="accent1">
+              <a:shade val="50000"/>
+            </a:schemeClr>
+          </a:lnRef>
+          <a:fillRef idx="1">
+            <a:schemeClr val="accent1"/>
+          </a:fillRef>
+          <a:effectRef idx="0">
+            <a:schemeClr val="accent1"/>
+          </a:effectRef>
+          <a:fontRef idx="minor">
+            <a:schemeClr val="lt1"/>
+          </a:fontRef>
+        </p:style>
+        <p:txBody>
+          <a:bodyPr rtlCol="0" anchor="ctr"/>
+          <a:lstStyle/>
+          <a:p>
+            <a:pPr algn="ctr"/>
+            <a:endParaRPr lang="en-US"/>
+          </a:p>
+        </p:txBody>
+      </p:sp>
+      <p:sp>
+        <p:nvSpPr>
+          <p:cNvPr id="2" name="Title 1"/>
+          <p:cNvSpPr>
+            <a:spLocks noGrp="1"/>
+          </p:cNvSpPr>
+          <p:nvPr>
+            <p:ph type="title"/>
+          </p:nvPr>
+        </p:nvSpPr>
+        <p:spPr>
+          <a:xfrm>
+            <a:off x="628650" y="343860"/>
+            <a:ext cx="7886700" cy="1325563"/>
+          </a:xfrm>
+        </p:spPr>
+        <p:txBody>
+          <a:bodyPr>
+            <a:normAutofit/>
+          </a:bodyPr>
+          <a:lstStyle/>
+          <a:p>
+            <a:r>
+              <a:rPr lang="en-US" sz="4000" dirty="0" smtClean="0">
+                <a:solidFill>
+                  <a:schemeClr val="bg1"/>
+                </a:solidFill>
+                <a:latin typeface="Arial" charset="0"/>
+                <a:ea typeface="Arial" charset="0"/>
+                <a:cs typeface="Arial" charset="0"/>
+              </a:rPr>
+              <a:t>Our approach</a:t>
+            </a:r>
+            <a:endParaRPr lang="en-US" sz="4000" dirty="0">
+              <a:solidFill>
+                <a:schemeClr val="bg1"/>
+              </a:solidFill>
+              <a:latin typeface="Arial" charset="0"/>
+              <a:ea typeface="Arial" charset="0"/>
+              <a:cs typeface="Arial" charset="0"/>
+            </a:endParaRPr>
+          </a:p>
+        </p:txBody>
+      </p:sp>
+      <p:sp>
+        <p:nvSpPr>
+          <p:cNvPr id="3" name="Content Placeholder 2"/>
+          <p:cNvSpPr>
+            <a:spLocks noGrp="1"/>
+          </p:cNvSpPr>
+          <p:nvPr>
+            <p:ph sz="half" idx="1"/>
+          </p:nvPr>
+        </p:nvSpPr>
+        <p:spPr>
+          <a:xfrm>
+            <a:off x="628650" y="1848773"/>
+            <a:ext cx="7878744" cy="4351338"/>
+          </a:xfrm>
+        </p:spPr>
+        <p:txBody>
+          <a:bodyPr numCol="1">
+            <a:noAutofit/>
+          </a:bodyPr>
+          <a:lstStyle/>
+          <a:p>
+            <a:pPr>
+              <a:lnSpc>
+                <a:spcPct val="150000"/>
+              </a:lnSpc>
+            </a:pPr>
+            <a:r>
+              <a:rPr lang="en-US" sz="2800" dirty="0" smtClean="0">
+                <a:latin typeface="Arial" charset="0"/>
+                <a:ea typeface="Arial" charset="0"/>
+                <a:cs typeface="Arial" charset="0"/>
+              </a:rPr>
+              <a:t>Allows us to support a large number of sites and users with a relatively small </a:t>
+            </a:r>
+            <a:r>
+              <a:rPr lang="en-US" sz="2800" dirty="0" smtClean="0">
+                <a:latin typeface="Arial" charset="0"/>
+                <a:ea typeface="Arial" charset="0"/>
+                <a:cs typeface="Arial" charset="0"/>
+              </a:rPr>
+              <a:t>team.</a:t>
+            </a:r>
+            <a:endParaRPr lang="en-US" sz="2800" dirty="0" smtClean="0">
+              <a:latin typeface="Arial" charset="0"/>
+              <a:ea typeface="Arial" charset="0"/>
+              <a:cs typeface="Arial" charset="0"/>
+            </a:endParaRPr>
+          </a:p>
+          <a:p>
+            <a:pPr>
+              <a:lnSpc>
+                <a:spcPct val="150000"/>
+              </a:lnSpc>
+            </a:pPr>
+            <a:r>
+              <a:rPr lang="en-US" sz="2800" dirty="0" smtClean="0">
+                <a:latin typeface="Arial" charset="0"/>
+                <a:ea typeface="Arial" charset="0"/>
+                <a:cs typeface="Arial" charset="0"/>
+              </a:rPr>
+              <a:t>Helps provide our users with secure</a:t>
+            </a:r>
+            <a:r>
+              <a:rPr lang="en-US" sz="2800" dirty="0">
+                <a:latin typeface="Arial" charset="0"/>
+                <a:ea typeface="Arial" charset="0"/>
+                <a:cs typeface="Arial" charset="0"/>
+              </a:rPr>
+              <a:t> </a:t>
+            </a:r>
+            <a:r>
+              <a:rPr lang="en-US" sz="2800" dirty="0" smtClean="0">
+                <a:latin typeface="Arial" charset="0"/>
+                <a:ea typeface="Arial" charset="0"/>
+                <a:cs typeface="Arial" charset="0"/>
+              </a:rPr>
+              <a:t>and accessible plugins, themes, and websites which are easy for all of us to </a:t>
+            </a:r>
+            <a:r>
+              <a:rPr lang="en-US" sz="2800" dirty="0" smtClean="0">
+                <a:latin typeface="Arial" charset="0"/>
+                <a:ea typeface="Arial" charset="0"/>
+                <a:cs typeface="Arial" charset="0"/>
+              </a:rPr>
+              <a:t>modify.</a:t>
+            </a:r>
+            <a:endParaRPr lang="en-US" sz="2800" dirty="0" smtClean="0">
+              <a:latin typeface="Arial" charset="0"/>
+              <a:ea typeface="Arial" charset="0"/>
+              <a:cs typeface="Arial" charset="0"/>
+            </a:endParaRPr>
+          </a:p>
+          <a:p>
+            <a:pPr>
+              <a:lnSpc>
+                <a:spcPct val="150000"/>
+              </a:lnSpc>
+            </a:pPr>
+            <a:endParaRPr lang="en-US" sz="2800" dirty="0" smtClean="0">
+              <a:latin typeface="Arial" charset="0"/>
+              <a:ea typeface="Arial" charset="0"/>
+              <a:cs typeface="Arial" charset="0"/>
+            </a:endParaRPr>
+          </a:p>
+        </p:txBody>
+      </p:sp>
+    </p:spTree>
+    <p:extLst>
+      <p:ext uri="{BB962C8B-B14F-4D97-AF65-F5344CB8AC3E}">
+        <p14:creationId xmlns:p14="http://schemas.microsoft.com/office/powerpoint/2010/main" val="919203709"/>
+      </p:ext>
+    </p:extLst>
+  </p:cSld>
+  <p:clrMapOvr>
+    <a:masterClrMapping/>
+  </p:clrMapOvr>
+  <p:timing>
+    <p:tnLst>
+      <p:par>
+        <p:cTn id="1" dur="indefinite" restart="never" nodeType="tmRoot"/>
+      </p:par>
+    </p:tnLst>
+  </p:timing>
+</p:sld>
+</file>
+
+<file path=ppt/slides/slide25.xml><?xml version="1.0" encoding="utf-8"?>
+<p:sld xmlns:a="http://schemas.openxmlformats.org/drawingml/2006/main" xmlns:r="http://schemas.openxmlformats.org/officeDocument/2006/relationships" xmlns:p="http://schemas.openxmlformats.org/presentationml/2006/main">
+  <p:cSld>
+    <p:spTree>
+      <p:nvGrpSpPr>
+        <p:cNvPr id="1" name=""/>
+        <p:cNvGrpSpPr/>
+        <p:nvPr/>
+      </p:nvGrpSpPr>
+      <p:grpSpPr>
+        <a:xfrm>
+          <a:off x="0" y="0"/>
+          <a:ext cx="0" cy="0"/>
+          <a:chOff x="0" y="0"/>
+          <a:chExt cx="0" cy="0"/>
+        </a:xfrm>
+      </p:grpSpPr>
+      <p:sp>
+        <p:nvSpPr>
+          <p:cNvPr id="6" name="Rectangle 5"/>
+          <p:cNvSpPr/>
+          <p:nvPr/>
+        </p:nvSpPr>
+        <p:spPr>
+          <a:xfrm>
+            <a:off x="4066053" y="584886"/>
+            <a:ext cx="1634532" cy="751104"/>
+          </a:xfrm>
+          <a:prstGeom prst="rect">
+            <a:avLst/>
+          </a:prstGeom>
+          <a:solidFill>
+            <a:srgbClr val="43A384"/>
+          </a:solidFill>
+          <a:ln>
+            <a:noFill/>
+          </a:ln>
+        </p:spPr>
+        <p:style>
+          <a:lnRef idx="2">
+            <a:schemeClr val="accent1">
+              <a:shade val="50000"/>
+            </a:schemeClr>
+          </a:lnRef>
+          <a:fillRef idx="1">
+            <a:schemeClr val="accent1"/>
+          </a:fillRef>
+          <a:effectRef idx="0">
+            <a:schemeClr val="accent1"/>
+          </a:effectRef>
+          <a:fontRef idx="minor">
+            <a:schemeClr val="lt1"/>
+          </a:fontRef>
+        </p:style>
+        <p:txBody>
+          <a:bodyPr rtlCol="0" anchor="ctr"/>
+          <a:lstStyle/>
+          <a:p>
+            <a:pPr algn="ctr"/>
+            <a:endParaRPr lang="en-US"/>
+          </a:p>
+        </p:txBody>
+      </p:sp>
+      <p:sp>
+        <p:nvSpPr>
+          <p:cNvPr id="2" name="Title 1"/>
+          <p:cNvSpPr>
+            <a:spLocks noGrp="1"/>
+          </p:cNvSpPr>
+          <p:nvPr>
+            <p:ph type="title"/>
+          </p:nvPr>
+        </p:nvSpPr>
+        <p:spPr>
+          <a:xfrm>
+            <a:off x="628650" y="343860"/>
+            <a:ext cx="7886700" cy="1325563"/>
+          </a:xfrm>
+        </p:spPr>
+        <p:txBody>
+          <a:bodyPr>
+            <a:normAutofit/>
+          </a:bodyPr>
+          <a:lstStyle/>
+          <a:p>
+            <a:r>
+              <a:rPr lang="en-US" sz="4000" dirty="0" smtClean="0">
+                <a:solidFill>
+                  <a:schemeClr val="bg1"/>
+                </a:solidFill>
+                <a:latin typeface="Arial" charset="0"/>
+                <a:ea typeface="Arial" charset="0"/>
+                <a:cs typeface="Arial" charset="0"/>
+              </a:rPr>
+              <a:t>Our approach</a:t>
+            </a:r>
+            <a:endParaRPr lang="en-US" sz="4000" dirty="0">
+              <a:solidFill>
+                <a:schemeClr val="bg1"/>
+              </a:solidFill>
+              <a:latin typeface="Arial" charset="0"/>
+              <a:ea typeface="Arial" charset="0"/>
+              <a:cs typeface="Arial" charset="0"/>
+            </a:endParaRPr>
+          </a:p>
+        </p:txBody>
+      </p:sp>
+      <p:sp>
+        <p:nvSpPr>
+          <p:cNvPr id="3" name="Content Placeholder 2"/>
+          <p:cNvSpPr>
+            <a:spLocks noGrp="1"/>
+          </p:cNvSpPr>
+          <p:nvPr>
+            <p:ph sz="half" idx="1"/>
+          </p:nvPr>
+        </p:nvSpPr>
+        <p:spPr>
+          <a:xfrm>
+            <a:off x="628650" y="1848773"/>
+            <a:ext cx="7878744" cy="4351338"/>
+          </a:xfrm>
+        </p:spPr>
+        <p:txBody>
+          <a:bodyPr numCol="1">
+            <a:noAutofit/>
+          </a:bodyPr>
+          <a:lstStyle/>
+          <a:p>
+            <a:pPr>
+              <a:lnSpc>
+                <a:spcPct val="150000"/>
+              </a:lnSpc>
+            </a:pPr>
+            <a:r>
+              <a:rPr lang="en-US" sz="2800" dirty="0" smtClean="0">
+                <a:latin typeface="Arial" charset="0"/>
+                <a:ea typeface="Arial" charset="0"/>
+                <a:cs typeface="Arial" charset="0"/>
+              </a:rPr>
+              <a:t>Reduces the amount of time and effort it takes to make and upload a change to our code</a:t>
+            </a:r>
+            <a:r>
+              <a:rPr lang="en-US" sz="2800" dirty="0" smtClean="0">
+                <a:latin typeface="Arial" charset="0"/>
+                <a:ea typeface="Arial" charset="0"/>
+                <a:cs typeface="Arial" charset="0"/>
+              </a:rPr>
+              <a:t>.</a:t>
+            </a:r>
+          </a:p>
+          <a:p>
+            <a:pPr>
+              <a:lnSpc>
+                <a:spcPct val="150000"/>
+              </a:lnSpc>
+            </a:pPr>
+            <a:r>
+              <a:rPr lang="en-US" sz="2800" dirty="0">
+                <a:latin typeface="Arial" charset="0"/>
+                <a:ea typeface="Arial" charset="0"/>
+                <a:cs typeface="Arial" charset="0"/>
+              </a:rPr>
+              <a:t>Our plugins and themes are open source and on Github, so you can view and repurpose it for your own needs.</a:t>
+            </a:r>
+          </a:p>
+          <a:p>
+            <a:pPr>
+              <a:lnSpc>
+                <a:spcPct val="150000"/>
+              </a:lnSpc>
+            </a:pPr>
+            <a:endParaRPr lang="en-US" sz="2800" dirty="0" smtClean="0">
+              <a:latin typeface="Arial" charset="0"/>
+              <a:ea typeface="Arial" charset="0"/>
+              <a:cs typeface="Arial" charset="0"/>
+            </a:endParaRPr>
           </a:p>
         </p:txBody>
       </p:sp>
@@ -7637,7 +8199,700 @@
 </p:sld>
 </file>
 
-<file path=ppt/slides/slide24.xml><?xml version="1.0" encoding="utf-8"?>
+<file path=ppt/slides/slide26.xml><?xml version="1.0" encoding="utf-8"?>
+<p:sld xmlns:a="http://schemas.openxmlformats.org/drawingml/2006/main" xmlns:r="http://schemas.openxmlformats.org/officeDocument/2006/relationships" xmlns:p="http://schemas.openxmlformats.org/presentationml/2006/main">
+  <p:cSld>
+    <p:spTree>
+      <p:nvGrpSpPr>
+        <p:cNvPr id="1" name=""/>
+        <p:cNvGrpSpPr/>
+        <p:nvPr/>
+      </p:nvGrpSpPr>
+      <p:grpSpPr>
+        <a:xfrm>
+          <a:off x="0" y="0"/>
+          <a:ext cx="0" cy="0"/>
+          <a:chOff x="0" y="0"/>
+          <a:chExt cx="0" cy="0"/>
+        </a:xfrm>
+      </p:grpSpPr>
+      <p:sp>
+        <p:nvSpPr>
+          <p:cNvPr id="6" name="Rectangle 5"/>
+          <p:cNvSpPr/>
+          <p:nvPr/>
+        </p:nvSpPr>
+        <p:spPr>
+          <a:xfrm>
+            <a:off x="4066053" y="584886"/>
+            <a:ext cx="1634532" cy="751104"/>
+          </a:xfrm>
+          <a:prstGeom prst="rect">
+            <a:avLst/>
+          </a:prstGeom>
+          <a:solidFill>
+            <a:srgbClr val="43A384"/>
+          </a:solidFill>
+          <a:ln>
+            <a:noFill/>
+          </a:ln>
+        </p:spPr>
+        <p:style>
+          <a:lnRef idx="2">
+            <a:schemeClr val="accent1">
+              <a:shade val="50000"/>
+            </a:schemeClr>
+          </a:lnRef>
+          <a:fillRef idx="1">
+            <a:schemeClr val="accent1"/>
+          </a:fillRef>
+          <a:effectRef idx="0">
+            <a:schemeClr val="accent1"/>
+          </a:effectRef>
+          <a:fontRef idx="minor">
+            <a:schemeClr val="lt1"/>
+          </a:fontRef>
+        </p:style>
+        <p:txBody>
+          <a:bodyPr rtlCol="0" anchor="ctr"/>
+          <a:lstStyle/>
+          <a:p>
+            <a:pPr algn="ctr"/>
+            <a:endParaRPr lang="en-US"/>
+          </a:p>
+        </p:txBody>
+      </p:sp>
+      <p:sp>
+        <p:nvSpPr>
+          <p:cNvPr id="2" name="Title 1"/>
+          <p:cNvSpPr>
+            <a:spLocks noGrp="1"/>
+          </p:cNvSpPr>
+          <p:nvPr>
+            <p:ph type="title"/>
+          </p:nvPr>
+        </p:nvSpPr>
+        <p:spPr>
+          <a:xfrm>
+            <a:off x="628650" y="343860"/>
+            <a:ext cx="7886700" cy="1325563"/>
+          </a:xfrm>
+        </p:spPr>
+        <p:txBody>
+          <a:bodyPr>
+            <a:normAutofit/>
+          </a:bodyPr>
+          <a:lstStyle/>
+          <a:p>
+            <a:r>
+              <a:rPr lang="en-US" sz="4000" dirty="0" smtClean="0">
+                <a:solidFill>
+                  <a:schemeClr val="bg1"/>
+                </a:solidFill>
+                <a:latin typeface="Arial" charset="0"/>
+                <a:ea typeface="Arial" charset="0"/>
+                <a:cs typeface="Arial" charset="0"/>
+              </a:rPr>
+              <a:t>Resources</a:t>
+            </a:r>
+            <a:endParaRPr lang="en-US" sz="4000" dirty="0">
+              <a:solidFill>
+                <a:schemeClr val="bg1"/>
+              </a:solidFill>
+              <a:latin typeface="Arial" charset="0"/>
+              <a:ea typeface="Arial" charset="0"/>
+              <a:cs typeface="Arial" charset="0"/>
+            </a:endParaRPr>
+          </a:p>
+        </p:txBody>
+      </p:sp>
+      <p:sp>
+        <p:nvSpPr>
+          <p:cNvPr id="3" name="Content Placeholder 2"/>
+          <p:cNvSpPr>
+            <a:spLocks noGrp="1"/>
+          </p:cNvSpPr>
+          <p:nvPr>
+            <p:ph sz="half" idx="1"/>
+          </p:nvPr>
+        </p:nvSpPr>
+        <p:spPr>
+          <a:xfrm>
+            <a:off x="628650" y="1848773"/>
+            <a:ext cx="7878744" cy="4351338"/>
+          </a:xfrm>
+        </p:spPr>
+        <p:txBody>
+          <a:bodyPr numCol="1">
+            <a:noAutofit/>
+          </a:bodyPr>
+          <a:lstStyle/>
+          <a:p>
+            <a:pPr>
+              <a:lnSpc>
+                <a:spcPct val="150000"/>
+              </a:lnSpc>
+            </a:pPr>
+            <a:r>
+              <a:rPr lang="en-US" sz="2800" dirty="0" smtClean="0">
+                <a:latin typeface="Arial" charset="0"/>
+                <a:ea typeface="Arial" charset="0"/>
+                <a:cs typeface="Arial" charset="0"/>
+              </a:rPr>
+              <a:t>Our latest Genesis child theme:</a:t>
+            </a:r>
+            <a:r>
+              <a:rPr lang="en-US" sz="2800" dirty="0" smtClean="0">
+                <a:latin typeface="Arial" charset="0"/>
+                <a:ea typeface="Arial" charset="0"/>
+                <a:cs typeface="Arial" charset="0"/>
+                <a:hlinkClick r:id="rId2"/>
+              </a:rPr>
+              <a:t/>
+            </a:r>
+            <a:br>
+              <a:rPr lang="en-US" sz="2800" dirty="0" smtClean="0">
+                <a:latin typeface="Arial" charset="0"/>
+                <a:ea typeface="Arial" charset="0"/>
+                <a:cs typeface="Arial" charset="0"/>
+                <a:hlinkClick r:id="rId2"/>
+              </a:rPr>
+            </a:br>
+            <a:r>
+              <a:rPr lang="en-US" sz="2800" dirty="0" smtClean="0">
+                <a:latin typeface="Arial" charset="0"/>
+                <a:ea typeface="Arial" charset="0"/>
+                <a:cs typeface="Arial" charset="0"/>
+                <a:hlinkClick r:id="rId2"/>
+              </a:rPr>
+              <a:t>https://github.com/agrilife/agriflex4</a:t>
+            </a:r>
+            <a:endParaRPr lang="en-US" sz="2800" dirty="0">
+              <a:latin typeface="Arial" charset="0"/>
+              <a:ea typeface="Arial" charset="0"/>
+              <a:cs typeface="Arial" charset="0"/>
+            </a:endParaRPr>
+          </a:p>
+          <a:p>
+            <a:pPr>
+              <a:lnSpc>
+                <a:spcPct val="150000"/>
+              </a:lnSpc>
+            </a:pPr>
+            <a:r>
+              <a:rPr lang="en-US" sz="2800" dirty="0">
+                <a:latin typeface="Arial" charset="0"/>
+                <a:ea typeface="Arial" charset="0"/>
+                <a:cs typeface="Arial" charset="0"/>
+              </a:rPr>
+              <a:t>Our latest </a:t>
+            </a:r>
+            <a:r>
+              <a:rPr lang="en-US" sz="2800" dirty="0" smtClean="0">
+                <a:latin typeface="Arial" charset="0"/>
+                <a:ea typeface="Arial" charset="0"/>
+                <a:cs typeface="Arial" charset="0"/>
+              </a:rPr>
+              <a:t>plugin:</a:t>
+            </a:r>
+            <a:r>
+              <a:rPr lang="en-US" sz="2800" dirty="0">
+                <a:latin typeface="Arial" charset="0"/>
+                <a:ea typeface="Arial" charset="0"/>
+                <a:cs typeface="Arial" charset="0"/>
+                <a:hlinkClick r:id="rId2"/>
+              </a:rPr>
+              <a:t/>
+            </a:r>
+            <a:br>
+              <a:rPr lang="en-US" sz="2800" dirty="0">
+                <a:latin typeface="Arial" charset="0"/>
+                <a:ea typeface="Arial" charset="0"/>
+                <a:cs typeface="Arial" charset="0"/>
+                <a:hlinkClick r:id="rId2"/>
+              </a:rPr>
+            </a:br>
+            <a:r>
+              <a:rPr lang="en-US" sz="2800" dirty="0" smtClean="0">
+                <a:latin typeface="Arial" charset="0"/>
+                <a:ea typeface="Arial" charset="0"/>
+                <a:cs typeface="Arial" charset="0"/>
+                <a:hlinkClick r:id="rId3"/>
+              </a:rPr>
+              <a:t>https</a:t>
+            </a:r>
+            <a:r>
+              <a:rPr lang="en-US" sz="2800" dirty="0">
+                <a:latin typeface="Arial" charset="0"/>
+                <a:ea typeface="Arial" charset="0"/>
+                <a:cs typeface="Arial" charset="0"/>
+                <a:hlinkClick r:id="rId3"/>
+              </a:rPr>
+              <a:t>://</a:t>
+            </a:r>
+            <a:r>
+              <a:rPr lang="en-US" sz="2800" dirty="0" smtClean="0">
+                <a:latin typeface="Arial" charset="0"/>
+                <a:ea typeface="Arial" charset="0"/>
+                <a:cs typeface="Arial" charset="0"/>
+                <a:hlinkClick r:id="rId3"/>
+              </a:rPr>
+              <a:t>github.com/agrilife/af4-agrilife-org</a:t>
+            </a:r>
+            <a:endParaRPr lang="en-US" sz="2800" dirty="0" smtClean="0">
+              <a:latin typeface="Arial" charset="0"/>
+              <a:ea typeface="Arial" charset="0"/>
+              <a:cs typeface="Arial" charset="0"/>
+            </a:endParaRPr>
+          </a:p>
+          <a:p>
+            <a:pPr>
+              <a:lnSpc>
+                <a:spcPct val="150000"/>
+              </a:lnSpc>
+            </a:pPr>
+            <a:r>
+              <a:rPr lang="en-US" sz="2800" dirty="0" smtClean="0">
+                <a:latin typeface="Arial" charset="0"/>
+                <a:ea typeface="Arial" charset="0"/>
+                <a:cs typeface="Arial" charset="0"/>
+              </a:rPr>
+              <a:t>Codeship custom script to initialize a project:</a:t>
+            </a:r>
+            <a:br>
+              <a:rPr lang="en-US" sz="2800" dirty="0" smtClean="0">
+                <a:latin typeface="Arial" charset="0"/>
+                <a:ea typeface="Arial" charset="0"/>
+                <a:cs typeface="Arial" charset="0"/>
+              </a:rPr>
+            </a:br>
+            <a:r>
+              <a:rPr lang="en-US" sz="2800" dirty="0" smtClean="0">
+                <a:latin typeface="Arial" charset="0"/>
+                <a:ea typeface="Arial" charset="0"/>
+                <a:cs typeface="Arial" charset="0"/>
+                <a:hlinkClick r:id="rId4"/>
+              </a:rPr>
+              <a:t>https</a:t>
+            </a:r>
+            <a:r>
+              <a:rPr lang="en-US" sz="2800" dirty="0">
+                <a:latin typeface="Arial" charset="0"/>
+                <a:ea typeface="Arial" charset="0"/>
+                <a:cs typeface="Arial" charset="0"/>
+                <a:hlinkClick r:id="rId4"/>
+              </a:rPr>
+              <a:t>://</a:t>
+            </a:r>
+            <a:r>
+              <a:rPr lang="en-US" sz="2800" dirty="0" smtClean="0">
+                <a:latin typeface="Arial" charset="0"/>
+                <a:ea typeface="Arial" charset="0"/>
+                <a:cs typeface="Arial" charset="0"/>
+                <a:hlinkClick r:id="rId4"/>
+              </a:rPr>
+              <a:t>gist.github.com/ZachWatkins/1c30f2b5847fcbfee1c72cc5f3fc57cf</a:t>
+            </a:r>
+            <a:endParaRPr lang="en-US" sz="2800" dirty="0" smtClean="0">
+              <a:latin typeface="Arial" charset="0"/>
+              <a:ea typeface="Arial" charset="0"/>
+              <a:cs typeface="Arial" charset="0"/>
+            </a:endParaRPr>
+          </a:p>
+          <a:p>
+            <a:pPr>
+              <a:lnSpc>
+                <a:spcPct val="150000"/>
+              </a:lnSpc>
+            </a:pPr>
+            <a:endParaRPr lang="en-US" sz="2800" dirty="0">
+              <a:latin typeface="Arial" charset="0"/>
+              <a:ea typeface="Arial" charset="0"/>
+              <a:cs typeface="Arial" charset="0"/>
+            </a:endParaRPr>
+          </a:p>
+          <a:p>
+            <a:pPr>
+              <a:lnSpc>
+                <a:spcPct val="150000"/>
+              </a:lnSpc>
+            </a:pPr>
+            <a:endParaRPr lang="en-US" sz="2800" dirty="0" smtClean="0">
+              <a:latin typeface="Arial" charset="0"/>
+              <a:ea typeface="Arial" charset="0"/>
+              <a:cs typeface="Arial" charset="0"/>
+            </a:endParaRPr>
+          </a:p>
+        </p:txBody>
+      </p:sp>
+    </p:spTree>
+    <p:extLst>
+      <p:ext uri="{BB962C8B-B14F-4D97-AF65-F5344CB8AC3E}">
+        <p14:creationId xmlns:p14="http://schemas.microsoft.com/office/powerpoint/2010/main" val="11737956"/>
+      </p:ext>
+    </p:extLst>
+  </p:cSld>
+  <p:clrMapOvr>
+    <a:masterClrMapping/>
+  </p:clrMapOvr>
+  <p:timing>
+    <p:tnLst>
+      <p:par>
+        <p:cTn id="1" dur="indefinite" restart="never" nodeType="tmRoot"/>
+      </p:par>
+    </p:tnLst>
+  </p:timing>
+</p:sld>
+</file>
+
+<file path=ppt/slides/slide27.xml><?xml version="1.0" encoding="utf-8"?>
+<p:sld xmlns:a="http://schemas.openxmlformats.org/drawingml/2006/main" xmlns:r="http://schemas.openxmlformats.org/officeDocument/2006/relationships" xmlns:p="http://schemas.openxmlformats.org/presentationml/2006/main">
+  <p:cSld>
+    <p:spTree>
+      <p:nvGrpSpPr>
+        <p:cNvPr id="1" name=""/>
+        <p:cNvGrpSpPr/>
+        <p:nvPr/>
+      </p:nvGrpSpPr>
+      <p:grpSpPr>
+        <a:xfrm>
+          <a:off x="0" y="0"/>
+          <a:ext cx="0" cy="0"/>
+          <a:chOff x="0" y="0"/>
+          <a:chExt cx="0" cy="0"/>
+        </a:xfrm>
+      </p:grpSpPr>
+      <p:sp>
+        <p:nvSpPr>
+          <p:cNvPr id="6" name="Rectangle 5"/>
+          <p:cNvSpPr/>
+          <p:nvPr/>
+        </p:nvSpPr>
+        <p:spPr>
+          <a:xfrm>
+            <a:off x="4066053" y="584886"/>
+            <a:ext cx="1634532" cy="751104"/>
+          </a:xfrm>
+          <a:prstGeom prst="rect">
+            <a:avLst/>
+          </a:prstGeom>
+          <a:solidFill>
+            <a:srgbClr val="43A384"/>
+          </a:solidFill>
+          <a:ln>
+            <a:noFill/>
+          </a:ln>
+        </p:spPr>
+        <p:style>
+          <a:lnRef idx="2">
+            <a:schemeClr val="accent1">
+              <a:shade val="50000"/>
+            </a:schemeClr>
+          </a:lnRef>
+          <a:fillRef idx="1">
+            <a:schemeClr val="accent1"/>
+          </a:fillRef>
+          <a:effectRef idx="0">
+            <a:schemeClr val="accent1"/>
+          </a:effectRef>
+          <a:fontRef idx="minor">
+            <a:schemeClr val="lt1"/>
+          </a:fontRef>
+        </p:style>
+        <p:txBody>
+          <a:bodyPr rtlCol="0" anchor="ctr"/>
+          <a:lstStyle/>
+          <a:p>
+            <a:pPr algn="ctr"/>
+            <a:endParaRPr lang="en-US"/>
+          </a:p>
+        </p:txBody>
+      </p:sp>
+      <p:sp>
+        <p:nvSpPr>
+          <p:cNvPr id="2" name="Title 1"/>
+          <p:cNvSpPr>
+            <a:spLocks noGrp="1"/>
+          </p:cNvSpPr>
+          <p:nvPr>
+            <p:ph type="title"/>
+          </p:nvPr>
+        </p:nvSpPr>
+        <p:spPr>
+          <a:xfrm>
+            <a:off x="628650" y="343860"/>
+            <a:ext cx="7886700" cy="1325563"/>
+          </a:xfrm>
+        </p:spPr>
+        <p:txBody>
+          <a:bodyPr>
+            <a:normAutofit/>
+          </a:bodyPr>
+          <a:lstStyle/>
+          <a:p>
+            <a:r>
+              <a:rPr lang="en-US" sz="4000" dirty="0" smtClean="0">
+                <a:solidFill>
+                  <a:schemeClr val="bg1"/>
+                </a:solidFill>
+                <a:latin typeface="Arial" charset="0"/>
+                <a:ea typeface="Arial" charset="0"/>
+                <a:cs typeface="Arial" charset="0"/>
+              </a:rPr>
+              <a:t>Resources</a:t>
+            </a:r>
+            <a:endParaRPr lang="en-US" sz="4000" dirty="0">
+              <a:solidFill>
+                <a:schemeClr val="bg1"/>
+              </a:solidFill>
+              <a:latin typeface="Arial" charset="0"/>
+              <a:ea typeface="Arial" charset="0"/>
+              <a:cs typeface="Arial" charset="0"/>
+            </a:endParaRPr>
+          </a:p>
+        </p:txBody>
+      </p:sp>
+      <p:sp>
+        <p:nvSpPr>
+          <p:cNvPr id="3" name="Content Placeholder 2"/>
+          <p:cNvSpPr>
+            <a:spLocks noGrp="1"/>
+          </p:cNvSpPr>
+          <p:nvPr>
+            <p:ph sz="half" idx="1"/>
+          </p:nvPr>
+        </p:nvSpPr>
+        <p:spPr>
+          <a:xfrm>
+            <a:off x="628650" y="1848773"/>
+            <a:ext cx="7878744" cy="4351338"/>
+          </a:xfrm>
+        </p:spPr>
+        <p:txBody>
+          <a:bodyPr numCol="1">
+            <a:noAutofit/>
+          </a:bodyPr>
+          <a:lstStyle/>
+          <a:p>
+            <a:pPr>
+              <a:lnSpc>
+                <a:spcPct val="150000"/>
+              </a:lnSpc>
+            </a:pPr>
+            <a:r>
+              <a:rPr lang="en-US" sz="2800" dirty="0" smtClean="0">
+                <a:latin typeface="Arial" charset="0"/>
+                <a:ea typeface="Arial" charset="0"/>
+                <a:cs typeface="Arial" charset="0"/>
+                <a:hlinkClick r:id="rId2"/>
+              </a:rPr>
+              <a:t>https</a:t>
+            </a:r>
+            <a:r>
+              <a:rPr lang="en-US" sz="2800" dirty="0">
+                <a:latin typeface="Arial" charset="0"/>
+                <a:ea typeface="Arial" charset="0"/>
+                <a:cs typeface="Arial" charset="0"/>
+                <a:hlinkClick r:id="rId2"/>
+              </a:rPr>
+              <a:t>://wp-cli.org</a:t>
+            </a:r>
+            <a:r>
+              <a:rPr lang="en-US" sz="2800" dirty="0" smtClean="0">
+                <a:latin typeface="Arial" charset="0"/>
+                <a:ea typeface="Arial" charset="0"/>
+                <a:cs typeface="Arial" charset="0"/>
+                <a:hlinkClick r:id="rId2"/>
+              </a:rPr>
+              <a:t>/</a:t>
+            </a:r>
+            <a:endParaRPr lang="en-US" sz="2800" dirty="0" smtClean="0">
+              <a:latin typeface="Arial" charset="0"/>
+              <a:ea typeface="Arial" charset="0"/>
+              <a:cs typeface="Arial" charset="0"/>
+            </a:endParaRPr>
+          </a:p>
+          <a:p>
+            <a:pPr>
+              <a:lnSpc>
+                <a:spcPct val="150000"/>
+              </a:lnSpc>
+            </a:pPr>
+            <a:r>
+              <a:rPr lang="en-US" sz="2800" dirty="0" smtClean="0">
+                <a:latin typeface="Arial" charset="0"/>
+                <a:ea typeface="Arial" charset="0"/>
+                <a:cs typeface="Arial" charset="0"/>
+              </a:rPr>
+              <a:t>Foundation 6 documentation:</a:t>
+            </a:r>
+            <a:r>
+              <a:rPr lang="en-US" sz="2800" dirty="0">
+                <a:latin typeface="Arial" charset="0"/>
+                <a:ea typeface="Arial" charset="0"/>
+                <a:cs typeface="Arial" charset="0"/>
+              </a:rPr>
+              <a:t/>
+            </a:r>
+            <a:br>
+              <a:rPr lang="en-US" sz="2800" dirty="0">
+                <a:latin typeface="Arial" charset="0"/>
+                <a:ea typeface="Arial" charset="0"/>
+                <a:cs typeface="Arial" charset="0"/>
+              </a:rPr>
+            </a:br>
+            <a:r>
+              <a:rPr lang="en-US" sz="2800" dirty="0" smtClean="0">
+                <a:latin typeface="Arial" charset="0"/>
+                <a:ea typeface="Arial" charset="0"/>
+                <a:cs typeface="Arial" charset="0"/>
+                <a:hlinkClick r:id="rId3"/>
+              </a:rPr>
+              <a:t>https</a:t>
+            </a:r>
+            <a:r>
+              <a:rPr lang="en-US" sz="2800" dirty="0">
+                <a:latin typeface="Arial" charset="0"/>
+                <a:ea typeface="Arial" charset="0"/>
+                <a:cs typeface="Arial" charset="0"/>
+                <a:hlinkClick r:id="rId3"/>
+              </a:rPr>
+              <a:t>://</a:t>
+            </a:r>
+            <a:r>
+              <a:rPr lang="en-US" sz="2800" dirty="0" smtClean="0">
+                <a:latin typeface="Arial" charset="0"/>
+                <a:ea typeface="Arial" charset="0"/>
+                <a:cs typeface="Arial" charset="0"/>
+                <a:hlinkClick r:id="rId3"/>
+              </a:rPr>
+              <a:t>foundation.zurb.com/sites/docs/</a:t>
+            </a:r>
+            <a:endParaRPr lang="en-US" sz="2800" dirty="0" smtClean="0">
+              <a:latin typeface="Arial" charset="0"/>
+              <a:ea typeface="Arial" charset="0"/>
+              <a:cs typeface="Arial" charset="0"/>
+            </a:endParaRPr>
+          </a:p>
+          <a:p>
+            <a:pPr>
+              <a:lnSpc>
+                <a:spcPct val="150000"/>
+              </a:lnSpc>
+            </a:pPr>
+            <a:r>
+              <a:rPr lang="en-US" sz="2800" dirty="0">
+                <a:latin typeface="Arial" charset="0"/>
+                <a:ea typeface="Arial" charset="0"/>
+                <a:cs typeface="Arial" charset="0"/>
+              </a:rPr>
+              <a:t>My Codeship video tutorial:</a:t>
+            </a:r>
+            <a:br>
+              <a:rPr lang="en-US" sz="2800" dirty="0">
+                <a:latin typeface="Arial" charset="0"/>
+                <a:ea typeface="Arial" charset="0"/>
+                <a:cs typeface="Arial" charset="0"/>
+              </a:rPr>
+            </a:br>
+            <a:r>
+              <a:rPr lang="en-US" sz="2800" dirty="0">
+                <a:latin typeface="Arial" charset="0"/>
+                <a:ea typeface="Arial" charset="0"/>
+                <a:cs typeface="Arial" charset="0"/>
+                <a:hlinkClick r:id="rId4"/>
+              </a:rPr>
+              <a:t>https://youtu.be/iNOaUyDPHDQ</a:t>
+            </a:r>
+            <a:endParaRPr lang="en-US" sz="2800" dirty="0">
+              <a:latin typeface="Arial" charset="0"/>
+              <a:ea typeface="Arial" charset="0"/>
+              <a:cs typeface="Arial" charset="0"/>
+            </a:endParaRPr>
+          </a:p>
+          <a:p>
+            <a:pPr>
+              <a:lnSpc>
+                <a:spcPct val="150000"/>
+              </a:lnSpc>
+            </a:pPr>
+            <a:endParaRPr lang="en-US" sz="2800" dirty="0" smtClean="0">
+              <a:latin typeface="Arial" charset="0"/>
+              <a:ea typeface="Arial" charset="0"/>
+              <a:cs typeface="Arial" charset="0"/>
+            </a:endParaRPr>
+          </a:p>
+          <a:p>
+            <a:pPr>
+              <a:lnSpc>
+                <a:spcPct val="150000"/>
+              </a:lnSpc>
+            </a:pPr>
+            <a:endParaRPr lang="en-US" sz="2800" dirty="0" smtClean="0">
+              <a:latin typeface="Arial" charset="0"/>
+              <a:ea typeface="Arial" charset="0"/>
+              <a:cs typeface="Arial" charset="0"/>
+            </a:endParaRPr>
+          </a:p>
+          <a:p>
+            <a:pPr>
+              <a:lnSpc>
+                <a:spcPct val="150000"/>
+              </a:lnSpc>
+            </a:pPr>
+            <a:endParaRPr lang="en-US" sz="2800" dirty="0" smtClean="0">
+              <a:latin typeface="Arial" charset="0"/>
+              <a:ea typeface="Arial" charset="0"/>
+              <a:cs typeface="Arial" charset="0"/>
+            </a:endParaRPr>
+          </a:p>
+          <a:p>
+            <a:pPr>
+              <a:lnSpc>
+                <a:spcPct val="150000"/>
+              </a:lnSpc>
+            </a:pPr>
+            <a:endParaRPr lang="en-US" sz="2800" dirty="0">
+              <a:latin typeface="Arial" charset="0"/>
+              <a:ea typeface="Arial" charset="0"/>
+              <a:cs typeface="Arial" charset="0"/>
+            </a:endParaRPr>
+          </a:p>
+          <a:p>
+            <a:pPr>
+              <a:lnSpc>
+                <a:spcPct val="150000"/>
+              </a:lnSpc>
+            </a:pPr>
+            <a:endParaRPr lang="en-US" sz="2800" dirty="0" smtClean="0">
+              <a:latin typeface="Arial" charset="0"/>
+              <a:ea typeface="Arial" charset="0"/>
+              <a:cs typeface="Arial" charset="0"/>
+            </a:endParaRPr>
+          </a:p>
+        </p:txBody>
+      </p:sp>
+    </p:spTree>
+    <p:extLst>
+      <p:ext uri="{BB962C8B-B14F-4D97-AF65-F5344CB8AC3E}">
+        <p14:creationId xmlns:p14="http://schemas.microsoft.com/office/powerpoint/2010/main" val="892972373"/>
+      </p:ext>
+    </p:extLst>
+  </p:cSld>
+  <p:clrMapOvr>
+    <a:masterClrMapping/>
+  </p:clrMapOvr>
+  <p:timing>
+    <p:tnLst>
+      <p:par>
+        <p:cTn id="1" dur="indefinite" restart="never" nodeType="tmRoot"/>
+      </p:par>
+    </p:tnLst>
+  </p:timing>
+</p:sld>
+</file>
+
+<file path=ppt/slides/slide28.xml><?xml version="1.0" encoding="utf-8"?>
 <p:sld xmlns:a="http://schemas.openxmlformats.org/drawingml/2006/main" xmlns:r="http://schemas.openxmlformats.org/officeDocument/2006/relationships" xmlns:p="http://schemas.openxmlformats.org/presentationml/2006/main">
   <p:cSld>
     <p:spTree>
@@ -7867,7 +9122,31 @@
                 <a:ea typeface="Arial" charset="0"/>
                 <a:cs typeface="Arial" charset="0"/>
               </a:rPr>
-              <a:t>Building, deploying, and maintaining WordPress at this scale greatly benefits from automation wherever possible.</a:t>
+              <a:t>Building, deploying, and maintaining WordPress at this scale </a:t>
+            </a:r>
+            <a:r>
+              <a:rPr lang="en-US" sz="2800" dirty="0">
+                <a:latin typeface="Arial" charset="0"/>
+                <a:ea typeface="Arial" charset="0"/>
+                <a:cs typeface="Arial" charset="0"/>
+              </a:rPr>
+              <a:t>benefits </a:t>
+            </a:r>
+            <a:r>
+              <a:rPr lang="en-US" sz="2800" dirty="0" smtClean="0">
+                <a:latin typeface="Arial" charset="0"/>
+                <a:ea typeface="Arial" charset="0"/>
+                <a:cs typeface="Arial" charset="0"/>
+              </a:rPr>
+              <a:t>from </a:t>
+            </a:r>
+            <a:r>
+              <a:rPr lang="en-US" sz="2800" dirty="0" smtClean="0">
+                <a:latin typeface="Arial" charset="0"/>
+                <a:ea typeface="Arial" charset="0"/>
+                <a:cs typeface="Arial" charset="0"/>
+              </a:rPr>
+              <a:t>automation wherever possible.</a:t>
             </a:r>
           </a:p>
           <a:p>
@@ -7882,7 +9161,39 @@
                 <a:ea typeface="Arial" charset="0"/>
                 <a:cs typeface="Arial" charset="0"/>
               </a:rPr>
-              <a:t>CLI tools and frameworks can help preserve developer sanity.</a:t>
+              <a:t>CLI tools and </a:t>
+            </a:r>
+            <a:r>
+              <a:rPr lang="en-US" sz="2800" dirty="0" smtClean="0">
+                <a:latin typeface="Arial" charset="0"/>
+                <a:ea typeface="Arial" charset="0"/>
+                <a:cs typeface="Arial" charset="0"/>
+              </a:rPr>
+              <a:t>development frameworks </a:t>
+            </a:r>
+            <a:r>
+              <a:rPr lang="en-US" sz="2800" dirty="0" smtClean="0">
+                <a:latin typeface="Arial" charset="0"/>
+                <a:ea typeface="Arial" charset="0"/>
+                <a:cs typeface="Arial" charset="0"/>
+              </a:rPr>
+              <a:t>can help </a:t>
+            </a:r>
+            <a:r>
+              <a:rPr lang="en-US" sz="2800" dirty="0" smtClean="0">
+                <a:latin typeface="Arial" charset="0"/>
+                <a:ea typeface="Arial" charset="0"/>
+                <a:cs typeface="Arial" charset="0"/>
+              </a:rPr>
+              <a:t>separate concerns and improve </a:t>
+            </a:r>
+            <a:r>
+              <a:rPr lang="en-US" sz="2800" dirty="0" smtClean="0">
+                <a:latin typeface="Arial" charset="0"/>
+                <a:ea typeface="Arial" charset="0"/>
+                <a:cs typeface="Arial" charset="0"/>
+              </a:rPr>
+              <a:t>developer sanity.</a:t>
             </a:r>
           </a:p>
         </p:txBody>
@@ -8044,8 +9355,37 @@
                 <a:ea typeface="Arial" charset="0"/>
                 <a:cs typeface="Arial" charset="0"/>
               </a:rPr>
-              <a:t>Our plugins and themes are open source and on Github, so you can view and repurpose it for your own needs.</a:t>
-            </a:r>
+              <a:t>Our plugins and themes are open source and on Github, so </a:t>
+            </a:r>
+            <a:r>
+              <a:rPr lang="en-US" sz="2800" dirty="0" smtClean="0">
+                <a:latin typeface="Arial" charset="0"/>
+                <a:ea typeface="Arial" charset="0"/>
+                <a:cs typeface="Arial" charset="0"/>
+              </a:rPr>
+              <a:t>anyone can </a:t>
+            </a:r>
+            <a:r>
+              <a:rPr lang="en-US" sz="2800" dirty="0" smtClean="0">
+                <a:latin typeface="Arial" charset="0"/>
+                <a:ea typeface="Arial" charset="0"/>
+                <a:cs typeface="Arial" charset="0"/>
+              </a:rPr>
+              <a:t>view and repurpose it </a:t>
+            </a:r>
+            <a:r>
+              <a:rPr lang="en-US" sz="2800" dirty="0" smtClean="0">
+                <a:latin typeface="Arial" charset="0"/>
+                <a:ea typeface="Arial" charset="0"/>
+                <a:cs typeface="Arial" charset="0"/>
+              </a:rPr>
+              <a:t>as needed.</a:t>
+            </a:r>
+            <a:endParaRPr lang="en-US" sz="2800" dirty="0" smtClean="0">
+              <a:latin typeface="Arial" charset="0"/>
+              <a:ea typeface="Arial" charset="0"/>
+              <a:cs typeface="Arial" charset="0"/>
+            </a:endParaRPr>
           </a:p>
         </p:txBody>
       </p:sp>
@@ -8143,15 +9483,7 @@
                 <a:ea typeface="Arial" charset="0"/>
                 <a:cs typeface="Arial" charset="0"/>
               </a:rPr>
-              <a:t>Plugin </a:t>
-            </a:r>
-            <a:r>
-              <a:rPr lang="en-US" dirty="0" smtClean="0">
-                <a:latin typeface="Arial" charset="0"/>
-                <a:ea typeface="Arial" charset="0"/>
-                <a:cs typeface="Arial" charset="0"/>
-              </a:rPr>
-              <a:t>and theme development </a:t>
+              <a:t>Plugin and theme development </a:t>
             </a:r>
             <a:r>
               <a:rPr lang="en-US" dirty="0">
@@ -8348,20 +9680,20 @@
               </a:lnSpc>
             </a:pPr>
             <a:r>
+              <a:rPr lang="en-US" sz="2800" dirty="0" smtClean="0">
+                <a:latin typeface="Arial" charset="0"/>
+                <a:ea typeface="Arial" charset="0"/>
+                <a:cs typeface="Arial" charset="0"/>
+              </a:rPr>
+              <a:t>Local </a:t>
+            </a:r>
+            <a:r>
               <a:rPr lang="en-US" sz="2800" dirty="0">
                 <a:latin typeface="Arial" charset="0"/>
                 <a:ea typeface="Arial" charset="0"/>
                 <a:cs typeface="Arial" charset="0"/>
               </a:rPr>
-              <a:t>Local by </a:t>
-            </a:r>
-            <a:r>
-              <a:rPr lang="en-US" sz="2800" dirty="0" smtClean="0">
-                <a:latin typeface="Arial" charset="0"/>
-                <a:ea typeface="Arial" charset="0"/>
-                <a:cs typeface="Arial" charset="0"/>
-              </a:rPr>
-              <a:t>Flywheel</a:t>
+              <a:t>dev environment</a:t>
             </a:r>
           </a:p>
           <a:p>
@@ -8378,6 +9710,11 @@
               </a:rPr>
               <a:t>Composer</a:t>
             </a:r>
+            <a:endParaRPr lang="en-US" sz="2800" dirty="0" smtClean="0">
+              <a:latin typeface="Arial" charset="0"/>
+              <a:ea typeface="Arial" charset="0"/>
+              <a:cs typeface="Arial" charset="0"/>
+            </a:endParaRPr>
           </a:p>
           <a:p>
             <a:pPr>
@@ -8426,7 +9763,15 @@
                 <a:ea typeface="Arial" charset="0"/>
                 <a:cs typeface="Arial" charset="0"/>
               </a:rPr>
-              <a:t>Node Package Manager</a:t>
+              <a:t>Node Package </a:t>
+            </a:r>
+            <a:r>
+              <a:rPr lang="en-US" sz="2800" dirty="0" smtClean="0">
+                <a:latin typeface="Arial" charset="0"/>
+                <a:ea typeface="Arial" charset="0"/>
+                <a:cs typeface="Arial" charset="0"/>
+              </a:rPr>
+              <a:t>Manager (NPM)</a:t>
             </a:r>
             <a:endParaRPr lang="en-US" sz="2800" dirty="0">
               <a:latin typeface="Arial" charset="0"/>
@@ -8621,11 +9966,6 @@
               </a:rPr>
               <a:t>Plugin</a:t>
             </a:r>
-            <a:endParaRPr lang="en-US" sz="2800" dirty="0" smtClean="0">
-              <a:latin typeface="Arial" charset="0"/>
-              <a:ea typeface="Arial" charset="0"/>
-              <a:cs typeface="Arial" charset="0"/>
-            </a:endParaRPr>
           </a:p>
           <a:p>
             <a:pPr>
@@ -8902,28 +10242,6 @@
               </a:rPr>
               <a:t>Basecamp</a:t>
             </a:r>
-          </a:p>
-          <a:p>
-            <a:pPr>
-              <a:lnSpc>
-                <a:spcPct val="150000"/>
-              </a:lnSpc>
-            </a:pPr>
-            <a:r>
-              <a:rPr lang="en-US" sz="2800" dirty="0">
-                <a:latin typeface="Arial" charset="0"/>
-                <a:ea typeface="Arial" charset="0"/>
-                <a:cs typeface="Arial" charset="0"/>
-              </a:rPr>
-              <a:t>Node Package Manager</a:t>
-            </a:r>
-          </a:p>
-          <a:p>
-            <a:pPr>
-              <a:lnSpc>
-                <a:spcPct val="150000"/>
-              </a:lnSpc>
-            </a:pPr>
             <a:endParaRPr lang="en-US" sz="2800" dirty="0" smtClean="0">
               <a:latin typeface="Arial" charset="0"/>
               <a:ea typeface="Arial" charset="0"/>
@@ -8971,6 +10289,52 @@
       </p:grpSpPr>
       <p:sp>
         <p:nvSpPr>
+          <p:cNvPr id="6" name="Rectangle 5"/>
+          <p:cNvSpPr/>
+          <p:nvPr/>
+        </p:nvSpPr>
+        <p:spPr>
+          <a:xfrm>
+            <a:off x="4066053" y="584886"/>
+            <a:ext cx="1634532" cy="751104"/>
+          </a:xfrm>
+          <a:prstGeom prst="rect">
+            <a:avLst/>
+          </a:prstGeom>
+          <a:solidFill>
+            <a:srgbClr val="43A384"/>
+          </a:solidFill>
+          <a:ln>
+            <a:noFill/>
+          </a:ln>
+        </p:spPr>
+        <p:style>
+          <a:lnRef idx="2">
+            <a:schemeClr val="accent1">
+              <a:shade val="50000"/>
+            </a:schemeClr>
+          </a:lnRef>
+          <a:fillRef idx="1">
+            <a:schemeClr val="accent1"/>
+          </a:fillRef>
+          <a:effectRef idx="0">
+            <a:schemeClr val="accent1"/>
+          </a:effectRef>
+          <a:fontRef idx="minor">
+            <a:schemeClr val="lt1"/>
+          </a:fontRef>
+        </p:style>
+        <p:txBody>
+          <a:bodyPr rtlCol="0" anchor="ctr"/>
+          <a:lstStyle/>
+          <a:p>
+            <a:pPr algn="ctr"/>
+            <a:endParaRPr lang="en-US"/>
+          </a:p>
+        </p:txBody>
+      </p:sp>
+      <p:sp>
+        <p:nvSpPr>
           <p:cNvPr id="2" name="Title 1"/>
           <p:cNvSpPr>
             <a:spLocks noGrp="1"/>
@@ -8981,23 +10345,31 @@
         </p:nvSpPr>
         <p:spPr>
           <a:xfrm>
-            <a:off x="623888" y="1651864"/>
-            <a:ext cx="7886700" cy="2852737"/>
-          </a:xfrm>
-        </p:spPr>
-        <p:txBody>
-          <a:bodyPr/>
-          <a:lstStyle/>
-          <a:p>
-            <a:r>
-              <a:rPr lang="en-US" dirty="0" smtClean="0">
-                <a:latin typeface="Arial" charset="0"/>
-                <a:ea typeface="Arial" charset="0"/>
-                <a:cs typeface="Arial" charset="0"/>
-              </a:rPr>
-              <a:t>Deploying and Releasing</a:t>
-            </a:r>
-            <a:endParaRPr lang="en-US" dirty="0">
+            <a:off x="628650" y="343860"/>
+            <a:ext cx="7886700" cy="1325563"/>
+          </a:xfrm>
+        </p:spPr>
+        <p:txBody>
+          <a:bodyPr>
+            <a:normAutofit/>
+          </a:bodyPr>
+          <a:lstStyle/>
+          <a:p>
+            <a:r>
+              <a:rPr lang="en-US" sz="4000" dirty="0" smtClean="0">
+                <a:solidFill>
+                  <a:schemeClr val="bg1"/>
+                </a:solidFill>
+                <a:latin typeface="Arial" charset="0"/>
+                <a:ea typeface="Arial" charset="0"/>
+                <a:cs typeface="Arial" charset="0"/>
+              </a:rPr>
+              <a:t>Process</a:t>
+            </a:r>
+            <a:endParaRPr lang="en-US" sz="4000" dirty="0">
+              <a:solidFill>
+                <a:schemeClr val="bg1"/>
+              </a:solidFill>
               <a:latin typeface="Arial" charset="0"/>
               <a:ea typeface="Arial" charset="0"/>
               <a:cs typeface="Arial" charset="0"/>
@@ -9007,39 +10379,128 @@
       </p:sp>
       <p:sp>
         <p:nvSpPr>
-          <p:cNvPr id="3" name="Text Placeholder 2"/>
-          <p:cNvSpPr>
-            <a:spLocks noGrp="1"/>
-          </p:cNvSpPr>
-          <p:nvPr>
-            <p:ph type="body" idx="1"/>
-          </p:nvPr>
-        </p:nvSpPr>
-        <p:spPr/>
-        <p:txBody>
-          <a:bodyPr/>
-          <a:lstStyle/>
-          <a:p>
-            <a:r>
-              <a:rPr lang="en-US" dirty="0" smtClean="0">
-                <a:latin typeface="Arial" charset="0"/>
-                <a:ea typeface="Arial" charset="0"/>
-                <a:cs typeface="Arial" charset="0"/>
-              </a:rPr>
-              <a:t>Using Codeship and Github to distribute our plugins and themes</a:t>
-            </a:r>
-            <a:endParaRPr lang="en-US" dirty="0">
-              <a:latin typeface="Arial" charset="0"/>
-              <a:ea typeface="Arial" charset="0"/>
-              <a:cs typeface="Arial" charset="0"/>
+          <p:cNvPr id="3" name="Content Placeholder 2"/>
+          <p:cNvSpPr>
+            <a:spLocks noGrp="1"/>
+          </p:cNvSpPr>
+          <p:nvPr>
+            <p:ph sz="half" idx="1"/>
+          </p:nvPr>
+        </p:nvSpPr>
+        <p:spPr>
+          <a:xfrm>
+            <a:off x="628650" y="1848773"/>
+            <a:ext cx="7878744" cy="4351338"/>
+          </a:xfrm>
+        </p:spPr>
+        <p:txBody>
+          <a:bodyPr numCol="1">
+            <a:noAutofit/>
+          </a:bodyPr>
+          <a:lstStyle/>
+          <a:p>
+            <a:pPr>
+              <a:lnSpc>
+                <a:spcPct val="150000"/>
+              </a:lnSpc>
+            </a:pPr>
+            <a:r>
+              <a:rPr lang="en-US" sz="2800" dirty="0" smtClean="0">
+                <a:latin typeface="Arial" charset="0"/>
+                <a:ea typeface="Arial" charset="0"/>
+                <a:cs typeface="Arial" charset="0"/>
+              </a:rPr>
+              <a:t>Start my local dev environment.</a:t>
+            </a:r>
+          </a:p>
+          <a:p>
+            <a:pPr>
+              <a:lnSpc>
+                <a:spcPct val="150000"/>
+              </a:lnSpc>
+            </a:pPr>
+            <a:r>
+              <a:rPr lang="en-US" sz="2800" u="sng" dirty="0" smtClean="0">
+                <a:latin typeface="Consolas" charset="0"/>
+                <a:ea typeface="Consolas" charset="0"/>
+                <a:cs typeface="Consolas" charset="0"/>
+              </a:rPr>
+              <a:t>grunt watch</a:t>
+            </a:r>
+            <a:r>
+              <a:rPr lang="en-US" sz="2800" dirty="0" smtClean="0">
+                <a:latin typeface="Arial" charset="0"/>
+                <a:ea typeface="Arial" charset="0"/>
+                <a:cs typeface="Arial" charset="0"/>
+              </a:rPr>
+              <a:t> rebuilds </a:t>
+            </a:r>
+            <a:r>
+              <a:rPr lang="en-US" sz="2800" dirty="0" err="1">
+                <a:latin typeface="Arial" charset="0"/>
+                <a:ea typeface="Arial" charset="0"/>
+                <a:cs typeface="Arial" charset="0"/>
+              </a:rPr>
+              <a:t>css</a:t>
+            </a:r>
+            <a:r>
+              <a:rPr lang="en-US" sz="2800" dirty="0">
+                <a:latin typeface="Arial" charset="0"/>
+                <a:ea typeface="Arial" charset="0"/>
+                <a:cs typeface="Arial" charset="0"/>
+              </a:rPr>
+              <a:t> when sass files are </a:t>
+            </a:r>
+            <a:r>
+              <a:rPr lang="en-US" sz="2800" dirty="0" smtClean="0">
+                <a:latin typeface="Arial" charset="0"/>
+                <a:ea typeface="Arial" charset="0"/>
+                <a:cs typeface="Arial" charset="0"/>
+              </a:rPr>
+              <a:t>saved.</a:t>
+            </a:r>
+            <a:endParaRPr lang="en-US" sz="2800" dirty="0">
+              <a:latin typeface="Consolas" charset="0"/>
+              <a:ea typeface="Consolas" charset="0"/>
+              <a:cs typeface="Consolas" charset="0"/>
             </a:endParaRPr>
+          </a:p>
+          <a:p>
+            <a:pPr>
+              <a:lnSpc>
+                <a:spcPct val="150000"/>
+              </a:lnSpc>
+            </a:pPr>
+            <a:r>
+              <a:rPr lang="en-US" sz="2800" dirty="0" smtClean="0">
+                <a:latin typeface="Arial" charset="0"/>
+                <a:ea typeface="Arial" charset="0"/>
+                <a:cs typeface="Arial" charset="0"/>
+              </a:rPr>
+              <a:t>Develop with Sublime Text.</a:t>
+            </a:r>
+          </a:p>
+          <a:p>
+            <a:pPr>
+              <a:lnSpc>
+                <a:spcPct val="150000"/>
+              </a:lnSpc>
+            </a:pPr>
+            <a:r>
+              <a:rPr lang="en-US" sz="2800" dirty="0" smtClean="0">
+                <a:latin typeface="Arial" charset="0"/>
+                <a:ea typeface="Arial" charset="0"/>
+                <a:cs typeface="Arial" charset="0"/>
+              </a:rPr>
+              <a:t>PHP changes just need a browser refresh.</a:t>
+            </a:r>
           </a:p>
         </p:txBody>
       </p:sp>
     </p:spTree>
     <p:extLst>
       <p:ext uri="{BB962C8B-B14F-4D97-AF65-F5344CB8AC3E}">
-        <p14:creationId xmlns:p14="http://schemas.microsoft.com/office/powerpoint/2010/main" val="1087397021"/>
+        <p14:creationId xmlns:p14="http://schemas.microsoft.com/office/powerpoint/2010/main" val="1542689231"/>
       </p:ext>
     </p:extLst>
   </p:cSld>
